--- a/Presentations/Mid Semester Review/Individual_Slides/Bryce/Presentation1.pptx
+++ b/Presentations/Mid Semester Review/Individual_Slides/Bryce/Presentation1.pptx
@@ -9,11 +9,11 @@
   </p:notesMasterIdLst>
   <p:sldIdLst>
     <p:sldId id="257" r:id="rId2"/>
-    <p:sldId id="261" r:id="rId3"/>
-    <p:sldId id="263" r:id="rId4"/>
-    <p:sldId id="262" r:id="rId5"/>
-    <p:sldId id="260" r:id="rId6"/>
-    <p:sldId id="259" r:id="rId7"/>
+    <p:sldId id="262" r:id="rId3"/>
+    <p:sldId id="261" r:id="rId4"/>
+    <p:sldId id="263" r:id="rId5"/>
+    <p:sldId id="259" r:id="rId6"/>
+    <p:sldId id="260" r:id="rId7"/>
   </p:sldIdLst>
   <p:sldSz cx="12192000" cy="6858000"/>
   <p:notesSz cx="6858000" cy="9144000"/>
@@ -551,7 +551,7 @@
           <a:p>
             <a:fld id="{2E035394-18F9-4A42-AA4E-2D8B01D1E2BD}" type="slidenum">
               <a:rPr lang="en-US" smtClean="0"/>
-              <a:t>3</a:t>
+              <a:t>4</a:t>
             </a:fld>
             <a:endParaRPr lang="en-US"/>
           </a:p>
@@ -3905,18 +3905,17 @@
         </p:nvSpPr>
         <p:spPr>
           <a:xfrm>
-            <a:off x="838200" y="852756"/>
-            <a:ext cx="10515600" cy="837932"/>
+            <a:off x="838200" y="834387"/>
+            <a:ext cx="10515600" cy="856301"/>
           </a:xfrm>
         </p:spPr>
         <p:txBody>
           <a:bodyPr/>
           <a:lstStyle/>
           <a:p>
-            <a:pPr algn="ctr"/>
             <a:r>
               <a:rPr lang="en-US" dirty="0" smtClean="0"/>
-              <a:t>Vehicle Control</a:t>
+              <a:t>Motivation</a:t>
             </a:r>
             <a:endParaRPr lang="en-US" dirty="0"/>
           </a:p>
@@ -3937,73 +3936,14 @@
           <a:bodyPr/>
           <a:lstStyle/>
           <a:p>
-            <a:pPr marL="0" indent="0">
-              <a:buNone/>
-            </a:pPr>
-            <a:r>
-              <a:rPr lang="en-US" dirty="0" smtClean="0"/>
-              <a:t>Strategy:</a:t>
-            </a:r>
-          </a:p>
-          <a:p>
-            <a:r>
-              <a:rPr lang="en-US" dirty="0" smtClean="0"/>
-              <a:t>Use as many onboard(autopilot) processes as possible</a:t>
-            </a:r>
-          </a:p>
-          <a:p>
-            <a:r>
-              <a:rPr lang="en-US" dirty="0" smtClean="0"/>
-              <a:t>Use off the shelf hardware/software wherever possible</a:t>
-            </a:r>
-          </a:p>
-          <a:p>
-            <a:pPr marL="0" indent="0">
-              <a:buNone/>
-            </a:pPr>
-            <a:endParaRPr lang="en-US" dirty="0" smtClean="0"/>
-          </a:p>
-          <a:p>
-            <a:pPr marL="0" indent="0">
-              <a:buNone/>
-            </a:pPr>
-            <a:r>
-              <a:rPr lang="en-US" dirty="0" smtClean="0"/>
-              <a:t>1</a:t>
-            </a:r>
-            <a:r>
-              <a:rPr lang="en-US" baseline="30000" dirty="0" smtClean="0"/>
-              <a:t>st</a:t>
-            </a:r>
-            <a:r>
-              <a:rPr lang="en-US" dirty="0" smtClean="0"/>
-              <a:t> Iteration:</a:t>
-            </a:r>
-          </a:p>
-          <a:p>
-            <a:r>
-              <a:rPr lang="en-US" dirty="0" smtClean="0"/>
-              <a:t>Run position/attitude/altitude controllers on Pixhawk</a:t>
-            </a:r>
-          </a:p>
-          <a:p>
-            <a:r>
-              <a:rPr lang="en-US" dirty="0" smtClean="0"/>
-              <a:t>Use Pixhawk controllers</a:t>
-            </a:r>
-          </a:p>
-          <a:p>
-            <a:endParaRPr lang="en-US" dirty="0" smtClean="0"/>
-          </a:p>
-          <a:p>
-            <a:endParaRPr lang="en-US" dirty="0" smtClean="0"/>
+            <a:endParaRPr lang="en-US" dirty="0"/>
           </a:p>
         </p:txBody>
       </p:sp>
     </p:spTree>
     <p:extLst>
       <p:ext uri="{BB962C8B-B14F-4D97-AF65-F5344CB8AC3E}">
-        <p14:creationId xmlns:p14="http://schemas.microsoft.com/office/powerpoint/2010/main" val="1323894549"/>
+        <p14:creationId xmlns:p14="http://schemas.microsoft.com/office/powerpoint/2010/main" val="322400530"/>
       </p:ext>
     </p:extLst>
   </p:cSld>
@@ -4014,321 +3954,6 @@
 </file>
 
 <file path=ppt/slides/slide3.xml><?xml version="1.0" encoding="utf-8"?>
-<p:sld xmlns:a="http://schemas.openxmlformats.org/drawingml/2006/main" xmlns:r="http://schemas.openxmlformats.org/officeDocument/2006/relationships" xmlns:p="http://schemas.openxmlformats.org/presentationml/2006/main">
-  <p:cSld>
-    <p:spTree>
-      <p:nvGrpSpPr>
-        <p:cNvPr id="1" name=""/>
-        <p:cNvGrpSpPr/>
-        <p:nvPr/>
-      </p:nvGrpSpPr>
-      <p:grpSpPr>
-        <a:xfrm>
-          <a:off x="0" y="0"/>
-          <a:ext cx="0" cy="0"/>
-          <a:chOff x="0" y="0"/>
-          <a:chExt cx="0" cy="0"/>
-        </a:xfrm>
-      </p:grpSpPr>
-      <p:grpSp>
-        <p:nvGrpSpPr>
-          <p:cNvPr id="4" name="Group 3"/>
-          <p:cNvGrpSpPr/>
-          <p:nvPr/>
-        </p:nvGrpSpPr>
-        <p:grpSpPr>
-          <a:xfrm>
-            <a:off x="1524000" y="1"/>
-            <a:ext cx="9144000" cy="844012"/>
-            <a:chOff x="0" y="1"/>
-            <a:chExt cx="9144000" cy="844012"/>
-          </a:xfrm>
-        </p:grpSpPr>
-        <p:cxnSp>
-          <p:nvCxnSpPr>
-            <p:cNvPr id="5" name="Straight Connector 4"/>
-            <p:cNvCxnSpPr/>
-            <p:nvPr/>
-          </p:nvCxnSpPr>
-          <p:spPr>
-            <a:xfrm>
-              <a:off x="0" y="844013"/>
-              <a:ext cx="9144000" cy="0"/>
-            </a:xfrm>
-            <a:prstGeom prst="line">
-              <a:avLst/>
-            </a:prstGeom>
-            <a:ln>
-              <a:solidFill>
-                <a:schemeClr val="tx1"/>
-              </a:solidFill>
-            </a:ln>
-            <a:effectLst/>
-          </p:spPr>
-          <p:style>
-            <a:lnRef idx="2">
-              <a:schemeClr val="accent1"/>
-            </a:lnRef>
-            <a:fillRef idx="0">
-              <a:schemeClr val="accent1"/>
-            </a:fillRef>
-            <a:effectRef idx="1">
-              <a:schemeClr val="accent1"/>
-            </a:effectRef>
-            <a:fontRef idx="minor">
-              <a:schemeClr val="tx1"/>
-            </a:fontRef>
-          </p:style>
-        </p:cxnSp>
-        <p:pic>
-          <p:nvPicPr>
-            <p:cNvPr id="6" name="Picture 5" descr="Screen Shot 2015-10-11 at 11.16.20 AM.png"/>
-            <p:cNvPicPr>
-              <a:picLocks noChangeAspect="1"/>
-            </p:cNvPicPr>
-            <p:nvPr/>
-          </p:nvPicPr>
-          <p:blipFill>
-            <a:blip r:embed="rId3" cstate="print">
-              <a:extLst>
-                <a:ext uri="{28A0092B-C50C-407E-A947-70E740481C1C}">
-                  <a14:useLocalDpi xmlns:a14="http://schemas.microsoft.com/office/drawing/2010/main" val="0"/>
-                </a:ext>
-              </a:extLst>
-            </a:blip>
-            <a:stretch>
-              <a:fillRect/>
-            </a:stretch>
-          </p:blipFill>
-          <p:spPr>
-            <a:xfrm>
-              <a:off x="0" y="1"/>
-              <a:ext cx="1151748" cy="844012"/>
-            </a:xfrm>
-            <a:prstGeom prst="rect">
-              <a:avLst/>
-            </a:prstGeom>
-          </p:spPr>
-        </p:pic>
-        <p:sp>
-          <p:nvSpPr>
-            <p:cNvPr id="7" name="Rectangle 6"/>
-            <p:cNvSpPr/>
-            <p:nvPr/>
-          </p:nvSpPr>
-          <p:spPr>
-            <a:xfrm>
-              <a:off x="1151748" y="2283"/>
-              <a:ext cx="7992252" cy="832104"/>
-            </a:xfrm>
-            <a:prstGeom prst="rect">
-              <a:avLst/>
-            </a:prstGeom>
-            <a:solidFill>
-              <a:schemeClr val="tx1"/>
-            </a:solidFill>
-            <a:ln>
-              <a:solidFill>
-                <a:schemeClr val="tx1"/>
-              </a:solidFill>
-            </a:ln>
-            <a:effectLst/>
-          </p:spPr>
-          <p:style>
-            <a:lnRef idx="1">
-              <a:schemeClr val="accent1"/>
-            </a:lnRef>
-            <a:fillRef idx="3">
-              <a:schemeClr val="accent1"/>
-            </a:fillRef>
-            <a:effectRef idx="2">
-              <a:schemeClr val="accent1"/>
-            </a:effectRef>
-            <a:fontRef idx="minor">
-              <a:schemeClr val="lt1"/>
-            </a:fontRef>
-          </p:style>
-          <p:txBody>
-            <a:bodyPr rtlCol="0" anchor="ctr"/>
-            <a:lstStyle/>
-            <a:p>
-              <a:pPr algn="ctr"/>
-              <a:endParaRPr lang="en-US"/>
-            </a:p>
-          </p:txBody>
-        </p:sp>
-        <p:pic>
-          <p:nvPicPr>
-            <p:cNvPr id="8" name="Picture 7"/>
-            <p:cNvPicPr>
-              <a:picLocks noChangeAspect="1"/>
-            </p:cNvPicPr>
-            <p:nvPr/>
-          </p:nvPicPr>
-          <p:blipFill>
-            <a:blip r:embed="rId4"/>
-            <a:stretch>
-              <a:fillRect/>
-            </a:stretch>
-          </p:blipFill>
-          <p:spPr>
-            <a:xfrm>
-              <a:off x="8311013" y="2283"/>
-              <a:ext cx="832987" cy="832987"/>
-            </a:xfrm>
-            <a:prstGeom prst="rect">
-              <a:avLst/>
-            </a:prstGeom>
-          </p:spPr>
-        </p:pic>
-        <p:sp>
-          <p:nvSpPr>
-            <p:cNvPr id="9" name="TextBox 8"/>
-            <p:cNvSpPr txBox="1"/>
-            <p:nvPr/>
-          </p:nvSpPr>
-          <p:spPr>
-            <a:xfrm>
-              <a:off x="1202040" y="188621"/>
-              <a:ext cx="6983237" cy="461665"/>
-            </a:xfrm>
-            <a:prstGeom prst="rect">
-              <a:avLst/>
-            </a:prstGeom>
-            <a:noFill/>
-          </p:spPr>
-          <p:txBody>
-            <a:bodyPr wrap="square" rtlCol="0">
-              <a:spAutoFit/>
-            </a:bodyPr>
-            <a:lstStyle/>
-            <a:p>
-              <a:pPr algn="ctr"/>
-              <a:r>
-                <a:rPr lang="en-US" sz="2400" dirty="0" err="1">
-                  <a:solidFill>
-                    <a:srgbClr val="FFFFFF"/>
-                  </a:solidFill>
-                  <a:latin typeface="Candara"/>
-                  <a:cs typeface="Candara"/>
-                </a:rPr>
-                <a:t>FlyNet</a:t>
-              </a:r>
-              <a:r>
-                <a:rPr lang="en-US" sz="2400" dirty="0">
-                  <a:solidFill>
-                    <a:srgbClr val="FFFFFF"/>
-                  </a:solidFill>
-                  <a:latin typeface="Candara"/>
-                  <a:cs typeface="Candara"/>
-                </a:rPr>
-                <a:t>: Autonomous </a:t>
-              </a:r>
-              <a:r>
-                <a:rPr lang="en-US" sz="2400" dirty="0" err="1">
-                  <a:solidFill>
-                    <a:srgbClr val="FFFFFF"/>
-                  </a:solidFill>
-                  <a:latin typeface="Candara"/>
-                  <a:cs typeface="Candara"/>
-                </a:rPr>
-                <a:t>Quadcopter</a:t>
-              </a:r>
-              <a:r>
-                <a:rPr lang="en-US" sz="2400" dirty="0">
-                  <a:solidFill>
-                    <a:srgbClr val="FFFFFF"/>
-                  </a:solidFill>
-                  <a:latin typeface="Candara"/>
-                  <a:cs typeface="Candara"/>
-                </a:rPr>
-                <a:t> Search and Rescue</a:t>
-              </a:r>
-              <a:endParaRPr lang="en-US" sz="2400" dirty="0">
-                <a:solidFill>
-                  <a:srgbClr val="FFFFFF"/>
-                </a:solidFill>
-                <a:latin typeface="Candara"/>
-                <a:cs typeface="Candara"/>
-              </a:endParaRPr>
-            </a:p>
-          </p:txBody>
-        </p:sp>
-      </p:grpSp>
-      <p:sp>
-        <p:nvSpPr>
-          <p:cNvPr id="2" name="Title 1"/>
-          <p:cNvSpPr>
-            <a:spLocks noGrp="1"/>
-          </p:cNvSpPr>
-          <p:nvPr>
-            <p:ph type="title"/>
-          </p:nvPr>
-        </p:nvSpPr>
-        <p:spPr>
-          <a:xfrm>
-            <a:off x="1981200" y="852756"/>
-            <a:ext cx="8229600" cy="564882"/>
-          </a:xfrm>
-        </p:spPr>
-        <p:txBody>
-          <a:bodyPr>
-            <a:normAutofit fontScale="90000"/>
-          </a:bodyPr>
-          <a:lstStyle/>
-          <a:p>
-            <a:pPr algn="ctr"/>
-            <a:r>
-              <a:rPr lang="en-US" dirty="0" smtClean="0"/>
-              <a:t>Pixhawk Hardware</a:t>
-            </a:r>
-            <a:endParaRPr lang="en-US" dirty="0"/>
-          </a:p>
-        </p:txBody>
-      </p:sp>
-      <p:pic>
-        <p:nvPicPr>
-          <p:cNvPr id="10" name="Content Placeholder 9"/>
-          <p:cNvPicPr>
-            <a:picLocks noGrp="1" noChangeAspect="1"/>
-          </p:cNvPicPr>
-          <p:nvPr>
-            <p:ph idx="1"/>
-          </p:nvPr>
-        </p:nvPicPr>
-        <p:blipFill>
-          <a:blip r:embed="rId5">
-            <a:extLst>
-              <a:ext uri="{28A0092B-C50C-407E-A947-70E740481C1C}">
-                <a14:useLocalDpi xmlns:a14="http://schemas.microsoft.com/office/drawing/2010/main" val="0"/>
-              </a:ext>
-            </a:extLst>
-          </a:blip>
-          <a:stretch>
-            <a:fillRect/>
-          </a:stretch>
-        </p:blipFill>
-        <p:spPr>
-          <a:xfrm>
-            <a:off x="2443163" y="1620045"/>
-            <a:ext cx="7305675" cy="4486275"/>
-          </a:xfrm>
-        </p:spPr>
-      </p:pic>
-    </p:spTree>
-    <p:extLst>
-      <p:ext uri="{BB962C8B-B14F-4D97-AF65-F5344CB8AC3E}">
-        <p14:creationId xmlns:p14="http://schemas.microsoft.com/office/powerpoint/2010/main" val="2778729906"/>
-      </p:ext>
-    </p:extLst>
-  </p:cSld>
-  <p:clrMapOvr>
-    <a:masterClrMapping/>
-  </p:clrMapOvr>
-</p:sld>
-</file>
-
-<file path=ppt/slides/slide4.xml><?xml version="1.0" encoding="utf-8"?>
 <p:sld xmlns:a="http://schemas.openxmlformats.org/drawingml/2006/main" xmlns:r="http://schemas.openxmlformats.org/officeDocument/2006/relationships" xmlns:p="http://schemas.openxmlformats.org/presentationml/2006/main">
   <p:cSld>
     <p:spTree>
@@ -4563,10 +4188,425 @@
           </p:txBody>
         </p:sp>
       </p:grpSp>
+      <p:sp>
+        <p:nvSpPr>
+          <p:cNvPr id="2" name="Title 1"/>
+          <p:cNvSpPr>
+            <a:spLocks noGrp="1"/>
+          </p:cNvSpPr>
+          <p:nvPr>
+            <p:ph type="title"/>
+          </p:nvPr>
+        </p:nvSpPr>
+        <p:spPr>
+          <a:xfrm>
+            <a:off x="838200" y="852756"/>
+            <a:ext cx="10515600" cy="837932"/>
+          </a:xfrm>
+        </p:spPr>
+        <p:txBody>
+          <a:bodyPr/>
+          <a:lstStyle/>
+          <a:p>
+            <a:pPr algn="ctr"/>
+            <a:r>
+              <a:rPr lang="en-US" dirty="0" smtClean="0"/>
+              <a:t>Vehicle Control</a:t>
+            </a:r>
+            <a:endParaRPr lang="en-US" dirty="0"/>
+          </a:p>
+        </p:txBody>
+      </p:sp>
+      <p:sp>
+        <p:nvSpPr>
+          <p:cNvPr id="3" name="Content Placeholder 2"/>
+          <p:cNvSpPr>
+            <a:spLocks noGrp="1"/>
+          </p:cNvSpPr>
+          <p:nvPr>
+            <p:ph idx="1"/>
+          </p:nvPr>
+        </p:nvSpPr>
+        <p:spPr/>
+        <p:txBody>
+          <a:bodyPr/>
+          <a:lstStyle/>
+          <a:p>
+            <a:pPr marL="0" indent="0">
+              <a:buNone/>
+            </a:pPr>
+            <a:r>
+              <a:rPr lang="en-US" dirty="0" smtClean="0"/>
+              <a:t>Strategy:</a:t>
+            </a:r>
+          </a:p>
+          <a:p>
+            <a:r>
+              <a:rPr lang="en-US" dirty="0" smtClean="0"/>
+              <a:t>Use as many onboard(autopilot) processes as possible</a:t>
+            </a:r>
+          </a:p>
+          <a:p>
+            <a:r>
+              <a:rPr lang="en-US" dirty="0" smtClean="0"/>
+              <a:t>Use off the shelf hardware/software wherever possible</a:t>
+            </a:r>
+          </a:p>
+          <a:p>
+            <a:pPr marL="0" indent="0">
+              <a:buNone/>
+            </a:pPr>
+            <a:endParaRPr lang="en-US" dirty="0" smtClean="0"/>
+          </a:p>
+          <a:p>
+            <a:pPr marL="0" indent="0">
+              <a:buNone/>
+            </a:pPr>
+            <a:r>
+              <a:rPr lang="en-US" dirty="0" smtClean="0"/>
+              <a:t>1</a:t>
+            </a:r>
+            <a:r>
+              <a:rPr lang="en-US" baseline="30000" dirty="0" smtClean="0"/>
+              <a:t>st</a:t>
+            </a:r>
+            <a:r>
+              <a:rPr lang="en-US" dirty="0" smtClean="0"/>
+              <a:t> Iteration:</a:t>
+            </a:r>
+          </a:p>
+          <a:p>
+            <a:r>
+              <a:rPr lang="en-US" dirty="0" smtClean="0"/>
+              <a:t>Run position/attitude/altitude controllers on Pixhawk</a:t>
+            </a:r>
+          </a:p>
+          <a:p>
+            <a:r>
+              <a:rPr lang="en-US" dirty="0" smtClean="0"/>
+              <a:t>Use Pixhawk controllers</a:t>
+            </a:r>
+          </a:p>
+          <a:p>
+            <a:endParaRPr lang="en-US" dirty="0" smtClean="0"/>
+          </a:p>
+          <a:p>
+            <a:endParaRPr lang="en-US" dirty="0" smtClean="0"/>
+          </a:p>
+        </p:txBody>
+      </p:sp>
     </p:spTree>
     <p:extLst>
       <p:ext uri="{BB962C8B-B14F-4D97-AF65-F5344CB8AC3E}">
-        <p14:creationId xmlns:p14="http://schemas.microsoft.com/office/powerpoint/2010/main" val="322400530"/>
+        <p14:creationId xmlns:p14="http://schemas.microsoft.com/office/powerpoint/2010/main" val="1323894549"/>
+      </p:ext>
+    </p:extLst>
+  </p:cSld>
+  <p:clrMapOvr>
+    <a:masterClrMapping/>
+  </p:clrMapOvr>
+</p:sld>
+</file>
+
+<file path=ppt/slides/slide4.xml><?xml version="1.0" encoding="utf-8"?>
+<p:sld xmlns:a="http://schemas.openxmlformats.org/drawingml/2006/main" xmlns:r="http://schemas.openxmlformats.org/officeDocument/2006/relationships" xmlns:p="http://schemas.openxmlformats.org/presentationml/2006/main">
+  <p:cSld>
+    <p:spTree>
+      <p:nvGrpSpPr>
+        <p:cNvPr id="1" name=""/>
+        <p:cNvGrpSpPr/>
+        <p:nvPr/>
+      </p:nvGrpSpPr>
+      <p:grpSpPr>
+        <a:xfrm>
+          <a:off x="0" y="0"/>
+          <a:ext cx="0" cy="0"/>
+          <a:chOff x="0" y="0"/>
+          <a:chExt cx="0" cy="0"/>
+        </a:xfrm>
+      </p:grpSpPr>
+      <p:grpSp>
+        <p:nvGrpSpPr>
+          <p:cNvPr id="4" name="Group 3"/>
+          <p:cNvGrpSpPr/>
+          <p:nvPr/>
+        </p:nvGrpSpPr>
+        <p:grpSpPr>
+          <a:xfrm>
+            <a:off x="1524000" y="1"/>
+            <a:ext cx="9144000" cy="844012"/>
+            <a:chOff x="0" y="1"/>
+            <a:chExt cx="9144000" cy="844012"/>
+          </a:xfrm>
+        </p:grpSpPr>
+        <p:cxnSp>
+          <p:nvCxnSpPr>
+            <p:cNvPr id="5" name="Straight Connector 4"/>
+            <p:cNvCxnSpPr/>
+            <p:nvPr/>
+          </p:nvCxnSpPr>
+          <p:spPr>
+            <a:xfrm>
+              <a:off x="0" y="844013"/>
+              <a:ext cx="9144000" cy="0"/>
+            </a:xfrm>
+            <a:prstGeom prst="line">
+              <a:avLst/>
+            </a:prstGeom>
+            <a:ln>
+              <a:solidFill>
+                <a:schemeClr val="tx1"/>
+              </a:solidFill>
+            </a:ln>
+            <a:effectLst/>
+          </p:spPr>
+          <p:style>
+            <a:lnRef idx="2">
+              <a:schemeClr val="accent1"/>
+            </a:lnRef>
+            <a:fillRef idx="0">
+              <a:schemeClr val="accent1"/>
+            </a:fillRef>
+            <a:effectRef idx="1">
+              <a:schemeClr val="accent1"/>
+            </a:effectRef>
+            <a:fontRef idx="minor">
+              <a:schemeClr val="tx1"/>
+            </a:fontRef>
+          </p:style>
+        </p:cxnSp>
+        <p:pic>
+          <p:nvPicPr>
+            <p:cNvPr id="6" name="Picture 5" descr="Screen Shot 2015-10-11 at 11.16.20 AM.png"/>
+            <p:cNvPicPr>
+              <a:picLocks noChangeAspect="1"/>
+            </p:cNvPicPr>
+            <p:nvPr/>
+          </p:nvPicPr>
+          <p:blipFill>
+            <a:blip r:embed="rId3" cstate="print">
+              <a:extLst>
+                <a:ext uri="{28A0092B-C50C-407E-A947-70E740481C1C}">
+                  <a14:useLocalDpi xmlns:a14="http://schemas.microsoft.com/office/drawing/2010/main" val="0"/>
+                </a:ext>
+              </a:extLst>
+            </a:blip>
+            <a:stretch>
+              <a:fillRect/>
+            </a:stretch>
+          </p:blipFill>
+          <p:spPr>
+            <a:xfrm>
+              <a:off x="0" y="1"/>
+              <a:ext cx="1151748" cy="844012"/>
+            </a:xfrm>
+            <a:prstGeom prst="rect">
+              <a:avLst/>
+            </a:prstGeom>
+          </p:spPr>
+        </p:pic>
+        <p:sp>
+          <p:nvSpPr>
+            <p:cNvPr id="7" name="Rectangle 6"/>
+            <p:cNvSpPr/>
+            <p:nvPr/>
+          </p:nvSpPr>
+          <p:spPr>
+            <a:xfrm>
+              <a:off x="1151748" y="2283"/>
+              <a:ext cx="7992252" cy="832104"/>
+            </a:xfrm>
+            <a:prstGeom prst="rect">
+              <a:avLst/>
+            </a:prstGeom>
+            <a:solidFill>
+              <a:schemeClr val="tx1"/>
+            </a:solidFill>
+            <a:ln>
+              <a:solidFill>
+                <a:schemeClr val="tx1"/>
+              </a:solidFill>
+            </a:ln>
+            <a:effectLst/>
+          </p:spPr>
+          <p:style>
+            <a:lnRef idx="1">
+              <a:schemeClr val="accent1"/>
+            </a:lnRef>
+            <a:fillRef idx="3">
+              <a:schemeClr val="accent1"/>
+            </a:fillRef>
+            <a:effectRef idx="2">
+              <a:schemeClr val="accent1"/>
+            </a:effectRef>
+            <a:fontRef idx="minor">
+              <a:schemeClr val="lt1"/>
+            </a:fontRef>
+          </p:style>
+          <p:txBody>
+            <a:bodyPr rtlCol="0" anchor="ctr"/>
+            <a:lstStyle/>
+            <a:p>
+              <a:pPr algn="ctr"/>
+              <a:endParaRPr lang="en-US"/>
+            </a:p>
+          </p:txBody>
+        </p:sp>
+        <p:pic>
+          <p:nvPicPr>
+            <p:cNvPr id="8" name="Picture 7"/>
+            <p:cNvPicPr>
+              <a:picLocks noChangeAspect="1"/>
+            </p:cNvPicPr>
+            <p:nvPr/>
+          </p:nvPicPr>
+          <p:blipFill>
+            <a:blip r:embed="rId4"/>
+            <a:stretch>
+              <a:fillRect/>
+            </a:stretch>
+          </p:blipFill>
+          <p:spPr>
+            <a:xfrm>
+              <a:off x="8311013" y="2283"/>
+              <a:ext cx="832987" cy="832987"/>
+            </a:xfrm>
+            <a:prstGeom prst="rect">
+              <a:avLst/>
+            </a:prstGeom>
+          </p:spPr>
+        </p:pic>
+        <p:sp>
+          <p:nvSpPr>
+            <p:cNvPr id="9" name="TextBox 8"/>
+            <p:cNvSpPr txBox="1"/>
+            <p:nvPr/>
+          </p:nvSpPr>
+          <p:spPr>
+            <a:xfrm>
+              <a:off x="1202040" y="188621"/>
+              <a:ext cx="6983237" cy="461665"/>
+            </a:xfrm>
+            <a:prstGeom prst="rect">
+              <a:avLst/>
+            </a:prstGeom>
+            <a:noFill/>
+          </p:spPr>
+          <p:txBody>
+            <a:bodyPr wrap="square" rtlCol="0">
+              <a:spAutoFit/>
+            </a:bodyPr>
+            <a:lstStyle/>
+            <a:p>
+              <a:pPr algn="ctr"/>
+              <a:r>
+                <a:rPr lang="en-US" sz="2400" dirty="0" err="1">
+                  <a:solidFill>
+                    <a:srgbClr val="FFFFFF"/>
+                  </a:solidFill>
+                  <a:latin typeface="Candara"/>
+                  <a:cs typeface="Candara"/>
+                </a:rPr>
+                <a:t>FlyNet</a:t>
+              </a:r>
+              <a:r>
+                <a:rPr lang="en-US" sz="2400" dirty="0">
+                  <a:solidFill>
+                    <a:srgbClr val="FFFFFF"/>
+                  </a:solidFill>
+                  <a:latin typeface="Candara"/>
+                  <a:cs typeface="Candara"/>
+                </a:rPr>
+                <a:t>: Autonomous </a:t>
+              </a:r>
+              <a:r>
+                <a:rPr lang="en-US" sz="2400" dirty="0" err="1">
+                  <a:solidFill>
+                    <a:srgbClr val="FFFFFF"/>
+                  </a:solidFill>
+                  <a:latin typeface="Candara"/>
+                  <a:cs typeface="Candara"/>
+                </a:rPr>
+                <a:t>Quadcopter</a:t>
+              </a:r>
+              <a:r>
+                <a:rPr lang="en-US" sz="2400" dirty="0">
+                  <a:solidFill>
+                    <a:srgbClr val="FFFFFF"/>
+                  </a:solidFill>
+                  <a:latin typeface="Candara"/>
+                  <a:cs typeface="Candara"/>
+                </a:rPr>
+                <a:t> Search and Rescue</a:t>
+              </a:r>
+            </a:p>
+          </p:txBody>
+        </p:sp>
+      </p:grpSp>
+      <p:sp>
+        <p:nvSpPr>
+          <p:cNvPr id="2" name="Title 1"/>
+          <p:cNvSpPr>
+            <a:spLocks noGrp="1"/>
+          </p:cNvSpPr>
+          <p:nvPr>
+            <p:ph type="title"/>
+          </p:nvPr>
+        </p:nvSpPr>
+        <p:spPr>
+          <a:xfrm>
+            <a:off x="1981200" y="852756"/>
+            <a:ext cx="8229600" cy="564882"/>
+          </a:xfrm>
+        </p:spPr>
+        <p:txBody>
+          <a:bodyPr>
+            <a:normAutofit fontScale="90000"/>
+          </a:bodyPr>
+          <a:lstStyle/>
+          <a:p>
+            <a:pPr algn="ctr"/>
+            <a:r>
+              <a:rPr lang="en-US" dirty="0" smtClean="0"/>
+              <a:t>Pixhawk Hardware</a:t>
+            </a:r>
+            <a:endParaRPr lang="en-US" dirty="0"/>
+          </a:p>
+        </p:txBody>
+      </p:sp>
+      <p:pic>
+        <p:nvPicPr>
+          <p:cNvPr id="10" name="Content Placeholder 9"/>
+          <p:cNvPicPr>
+            <a:picLocks noGrp="1" noChangeAspect="1"/>
+          </p:cNvPicPr>
+          <p:nvPr>
+            <p:ph idx="1"/>
+          </p:nvPr>
+        </p:nvPicPr>
+        <p:blipFill>
+          <a:blip r:embed="rId5">
+            <a:extLst>
+              <a:ext uri="{28A0092B-C50C-407E-A947-70E740481C1C}">
+                <a14:useLocalDpi xmlns:a14="http://schemas.microsoft.com/office/drawing/2010/main" val="0"/>
+              </a:ext>
+            </a:extLst>
+          </a:blip>
+          <a:stretch>
+            <a:fillRect/>
+          </a:stretch>
+        </p:blipFill>
+        <p:spPr>
+          <a:xfrm>
+            <a:off x="2443163" y="1620045"/>
+            <a:ext cx="7305675" cy="4486275"/>
+          </a:xfrm>
+        </p:spPr>
+      </p:pic>
+    </p:spTree>
+    <p:extLst>
+      <p:ext uri="{BB962C8B-B14F-4D97-AF65-F5344CB8AC3E}">
+        <p14:creationId xmlns:p14="http://schemas.microsoft.com/office/powerpoint/2010/main" val="2778729906"/>
       </p:ext>
     </p:extLst>
   </p:cSld>
@@ -4813,14 +4853,45 @@
       </p:grpSp>
       <p:sp>
         <p:nvSpPr>
-          <p:cNvPr id="2" name="Rectangle 1"/>
+          <p:cNvPr id="2" name="Title 1"/>
+          <p:cNvSpPr>
+            <a:spLocks noGrp="1"/>
+          </p:cNvSpPr>
+          <p:nvPr>
+            <p:ph type="title"/>
+          </p:nvPr>
+        </p:nvSpPr>
+        <p:spPr>
+          <a:xfrm>
+            <a:off x="838200" y="852756"/>
+            <a:ext cx="10515600" cy="685539"/>
+          </a:xfrm>
+        </p:spPr>
+        <p:txBody>
+          <a:bodyPr>
+            <a:normAutofit/>
+          </a:bodyPr>
+          <a:lstStyle/>
+          <a:p>
+            <a:pPr algn="ctr"/>
+            <a:r>
+              <a:rPr lang="en-US" sz="3600" dirty="0" smtClean="0"/>
+              <a:t>Pixhawk – Off-board Computer Interface</a:t>
+            </a:r>
+            <a:endParaRPr lang="en-US" sz="3600" dirty="0"/>
+          </a:p>
+        </p:txBody>
+      </p:sp>
+      <p:sp>
+        <p:nvSpPr>
+          <p:cNvPr id="10" name="Rectangle 9"/>
           <p:cNvSpPr/>
           <p:nvPr/>
         </p:nvSpPr>
         <p:spPr>
           <a:xfrm>
-            <a:off x="9341708" y="2255794"/>
-            <a:ext cx="1383955" cy="757881"/>
+            <a:off x="1523999" y="2242387"/>
+            <a:ext cx="3259873" cy="3913789"/>
           </a:xfrm>
           <a:prstGeom prst="rect">
             <a:avLst/>
@@ -4845,9 +4916,59 @@
           <a:lstStyle/>
           <a:p>
             <a:pPr algn="ctr"/>
+            <a:endParaRPr lang="en-US"/>
+          </a:p>
+        </p:txBody>
+      </p:sp>
+      <p:sp>
+        <p:nvSpPr>
+          <p:cNvPr id="11" name="Rectangle 10"/>
+          <p:cNvSpPr/>
+          <p:nvPr/>
+        </p:nvSpPr>
+        <p:spPr>
+          <a:xfrm>
+            <a:off x="1637370" y="3315107"/>
+            <a:ext cx="3033132" cy="348686"/>
+          </a:xfrm>
+          <a:prstGeom prst="rect">
+            <a:avLst/>
+          </a:prstGeom>
+        </p:spPr>
+        <p:style>
+          <a:lnRef idx="1">
+            <a:schemeClr val="dk1"/>
+          </a:lnRef>
+          <a:fillRef idx="2">
+            <a:schemeClr val="dk1"/>
+          </a:fillRef>
+          <a:effectRef idx="1">
+            <a:schemeClr val="dk1"/>
+          </a:effectRef>
+          <a:fontRef idx="minor">
+            <a:schemeClr val="dk1"/>
+          </a:fontRef>
+        </p:style>
+        <p:txBody>
+          <a:bodyPr rtlCol="0" anchor="ctr"/>
+          <a:lstStyle/>
+          <a:p>
+            <a:pPr algn="ctr"/>
+            <a:r>
+              <a:rPr lang="en-US" dirty="0" err="1" smtClean="0"/>
+              <a:t>uORB</a:t>
+            </a:r>
             <a:r>
               <a:rPr lang="en-US" dirty="0" smtClean="0"/>
-              <a:t>Path Planner</a:t>
+              <a:t> publish/</a:t>
+            </a:r>
+            <a:r>
+              <a:rPr lang="en-US" dirty="0" err="1" smtClean="0"/>
+              <a:t>subcribe</a:t>
+            </a:r>
+            <a:r>
+              <a:rPr lang="en-US" dirty="0" smtClean="0"/>
+              <a:t> bus</a:t>
             </a:r>
             <a:endParaRPr lang="en-US" dirty="0"/>
           </a:p>
@@ -4861,22 +4982,22 @@
         </p:nvSpPr>
         <p:spPr>
           <a:xfrm>
-            <a:off x="9341709" y="3366347"/>
-            <a:ext cx="1383955" cy="757881"/>
+            <a:off x="1637370" y="2396829"/>
+            <a:ext cx="1418064" cy="758283"/>
           </a:xfrm>
           <a:prstGeom prst="rect">
             <a:avLst/>
           </a:prstGeom>
         </p:spPr>
         <p:style>
-          <a:lnRef idx="2">
-            <a:schemeClr val="dk1"/>
+          <a:lnRef idx="1">
+            <a:schemeClr val="accent6"/>
           </a:lnRef>
-          <a:fillRef idx="1">
-            <a:schemeClr val="lt1"/>
+          <a:fillRef idx="2">
+            <a:schemeClr val="accent6"/>
           </a:fillRef>
-          <a:effectRef idx="0">
-            <a:schemeClr val="dk1"/>
+          <a:effectRef idx="1">
+            <a:schemeClr val="accent6"/>
           </a:effectRef>
           <a:fontRef idx="minor">
             <a:schemeClr val="dk1"/>
@@ -4889,48 +5010,54 @@
             <a:pPr algn="ctr"/>
             <a:r>
               <a:rPr lang="en-US" dirty="0" smtClean="0"/>
-              <a:t>Controller Decision Gate</a:t>
+              <a:t>Actuator &amp; Sensor Interface</a:t>
             </a:r>
             <a:endParaRPr lang="en-US" dirty="0"/>
           </a:p>
         </p:txBody>
       </p:sp>
-      <p:cxnSp>
-        <p:nvCxnSpPr>
-          <p:cNvPr id="13" name="Straight Arrow Connector 12"/>
-          <p:cNvCxnSpPr>
-            <a:stCxn id="2" idx="2"/>
-            <a:endCxn id="12" idx="0"/>
-          </p:cNvCxnSpPr>
+      <p:sp>
+        <p:nvSpPr>
+          <p:cNvPr id="13" name="Rectangle 12"/>
+          <p:cNvSpPr/>
           <p:nvPr/>
-        </p:nvCxnSpPr>
-        <p:spPr>
-          <a:xfrm>
-            <a:off x="10033686" y="3013675"/>
-            <a:ext cx="1" cy="352672"/>
-          </a:xfrm>
-          <a:prstGeom prst="straightConnector1">
+        </p:nvSpPr>
+        <p:spPr>
+          <a:xfrm>
+            <a:off x="3210621" y="2396828"/>
+            <a:ext cx="1459881" cy="758284"/>
+          </a:xfrm>
+          <a:prstGeom prst="rect">
             <a:avLst/>
           </a:prstGeom>
-          <a:ln>
-            <a:tailEnd type="triangle"/>
-          </a:ln>
         </p:spPr>
         <p:style>
           <a:lnRef idx="1">
-            <a:schemeClr val="dk1"/>
+            <a:schemeClr val="accent6"/>
           </a:lnRef>
-          <a:fillRef idx="0">
-            <a:schemeClr val="dk1"/>
+          <a:fillRef idx="2">
+            <a:schemeClr val="accent6"/>
           </a:fillRef>
-          <a:effectRef idx="0">
-            <a:schemeClr val="dk1"/>
+          <a:effectRef idx="1">
+            <a:schemeClr val="accent6"/>
           </a:effectRef>
           <a:fontRef idx="minor">
-            <a:schemeClr val="tx1"/>
+            <a:schemeClr val="dk1"/>
           </a:fontRef>
         </p:style>
-      </p:cxnSp>
+        <p:txBody>
+          <a:bodyPr rtlCol="0" anchor="ctr"/>
+          <a:lstStyle/>
+          <a:p>
+            <a:pPr algn="ctr"/>
+            <a:r>
+              <a:rPr lang="en-US" dirty="0" smtClean="0"/>
+              <a:t>Safety Controller</a:t>
+            </a:r>
+            <a:endParaRPr lang="en-US" dirty="0"/>
+          </a:p>
+        </p:txBody>
+      </p:sp>
       <p:sp>
         <p:nvSpPr>
           <p:cNvPr id="14" name="Rectangle 13"/>
@@ -4939,22 +5066,22 @@
         </p:nvSpPr>
         <p:spPr>
           <a:xfrm>
-            <a:off x="7265777" y="4480513"/>
-            <a:ext cx="1383955" cy="757881"/>
+            <a:off x="1637370" y="3980809"/>
+            <a:ext cx="1418064" cy="888009"/>
           </a:xfrm>
           <a:prstGeom prst="rect">
             <a:avLst/>
           </a:prstGeom>
         </p:spPr>
         <p:style>
-          <a:lnRef idx="2">
-            <a:schemeClr val="dk1"/>
+          <a:lnRef idx="1">
+            <a:schemeClr val="accent1"/>
           </a:lnRef>
-          <a:fillRef idx="1">
-            <a:schemeClr val="lt1"/>
+          <a:fillRef idx="2">
+            <a:schemeClr val="accent1"/>
           </a:fillRef>
-          <a:effectRef idx="0">
-            <a:schemeClr val="dk1"/>
+          <a:effectRef idx="1">
+            <a:schemeClr val="accent1"/>
           </a:effectRef>
           <a:fontRef idx="minor">
             <a:schemeClr val="dk1"/>
@@ -4967,7 +5094,7 @@
             <a:pPr algn="ctr"/>
             <a:r>
               <a:rPr lang="en-US" dirty="0" smtClean="0"/>
-              <a:t>Position</a:t>
+              <a:t>Local NED Subscriber</a:t>
             </a:r>
             <a:endParaRPr lang="en-US" dirty="0"/>
           </a:p>
@@ -4975,28 +5102,28 @@
       </p:sp>
       <p:sp>
         <p:nvSpPr>
-          <p:cNvPr id="15" name="Rectangle 14"/>
+          <p:cNvPr id="16" name="Rectangle 15"/>
           <p:cNvSpPr/>
           <p:nvPr/>
         </p:nvSpPr>
         <p:spPr>
           <a:xfrm>
-            <a:off x="7265777" y="2252179"/>
-            <a:ext cx="1383955" cy="757881"/>
+            <a:off x="1637370" y="5138894"/>
+            <a:ext cx="3033132" cy="317016"/>
           </a:xfrm>
           <a:prstGeom prst="rect">
             <a:avLst/>
           </a:prstGeom>
         </p:spPr>
         <p:style>
-          <a:lnRef idx="2">
-            <a:schemeClr val="dk1"/>
+          <a:lnRef idx="1">
+            <a:schemeClr val="accent6"/>
           </a:lnRef>
-          <a:fillRef idx="1">
-            <a:schemeClr val="lt1"/>
+          <a:fillRef idx="2">
+            <a:schemeClr val="accent6"/>
           </a:fillRef>
-          <a:effectRef idx="0">
-            <a:schemeClr val="dk1"/>
+          <a:effectRef idx="1">
+            <a:schemeClr val="accent6"/>
           </a:effectRef>
           <a:fontRef idx="minor">
             <a:schemeClr val="dk1"/>
@@ -5009,7 +5136,7 @@
             <a:pPr algn="ctr"/>
             <a:r>
               <a:rPr lang="en-US" dirty="0" smtClean="0"/>
-              <a:t>Acceleration</a:t>
+              <a:t>Position Controller</a:t>
             </a:r>
             <a:endParaRPr lang="en-US" dirty="0"/>
           </a:p>
@@ -5017,28 +5144,28 @@
       </p:sp>
       <p:sp>
         <p:nvSpPr>
-          <p:cNvPr id="16" name="Rectangle 15"/>
+          <p:cNvPr id="17" name="Rectangle 16"/>
           <p:cNvSpPr/>
           <p:nvPr/>
         </p:nvSpPr>
         <p:spPr>
           <a:xfrm>
-            <a:off x="7265778" y="3366346"/>
-            <a:ext cx="1383955" cy="757881"/>
+            <a:off x="1637370" y="5686828"/>
+            <a:ext cx="3033132" cy="317016"/>
           </a:xfrm>
           <a:prstGeom prst="rect">
             <a:avLst/>
           </a:prstGeom>
         </p:spPr>
         <p:style>
-          <a:lnRef idx="2">
-            <a:schemeClr val="dk1"/>
+          <a:lnRef idx="1">
+            <a:schemeClr val="accent6"/>
           </a:lnRef>
-          <a:fillRef idx="1">
-            <a:schemeClr val="lt1"/>
+          <a:fillRef idx="2">
+            <a:schemeClr val="accent6"/>
           </a:fillRef>
-          <a:effectRef idx="0">
-            <a:schemeClr val="dk1"/>
+          <a:effectRef idx="1">
+            <a:schemeClr val="accent6"/>
           </a:effectRef>
           <a:fontRef idx="minor">
             <a:schemeClr val="dk1"/>
@@ -5051,130 +5178,22 @@
             <a:pPr algn="ctr"/>
             <a:r>
               <a:rPr lang="en-US" dirty="0" smtClean="0"/>
-              <a:t>Velocity</a:t>
+              <a:t>Attitude Controller</a:t>
             </a:r>
             <a:endParaRPr lang="en-US" dirty="0"/>
           </a:p>
         </p:txBody>
       </p:sp>
-      <p:cxnSp>
-        <p:nvCxnSpPr>
-          <p:cNvPr id="18" name="Elbow Connector 17"/>
-          <p:cNvCxnSpPr>
-            <a:stCxn id="12" idx="1"/>
-            <a:endCxn id="15" idx="3"/>
-          </p:cNvCxnSpPr>
-          <p:nvPr/>
-        </p:nvCxnSpPr>
-        <p:spPr>
-          <a:xfrm rot="10800000">
-            <a:off x="8649733" y="2631120"/>
-            <a:ext cx="691977" cy="1114168"/>
-          </a:xfrm>
-          <a:prstGeom prst="bentConnector3">
-            <a:avLst/>
-          </a:prstGeom>
-          <a:ln>
-            <a:tailEnd type="triangle"/>
-          </a:ln>
-        </p:spPr>
-        <p:style>
-          <a:lnRef idx="1">
-            <a:schemeClr val="dk1"/>
-          </a:lnRef>
-          <a:fillRef idx="0">
-            <a:schemeClr val="dk1"/>
-          </a:fillRef>
-          <a:effectRef idx="0">
-            <a:schemeClr val="dk1"/>
-          </a:effectRef>
-          <a:fontRef idx="minor">
-            <a:schemeClr val="tx1"/>
-          </a:fontRef>
-        </p:style>
-      </p:cxnSp>
-      <p:cxnSp>
-        <p:nvCxnSpPr>
-          <p:cNvPr id="20" name="Elbow Connector 19"/>
-          <p:cNvCxnSpPr>
-            <a:stCxn id="12" idx="1"/>
-            <a:endCxn id="14" idx="3"/>
-          </p:cNvCxnSpPr>
-          <p:nvPr/>
-        </p:nvCxnSpPr>
-        <p:spPr>
-          <a:xfrm rot="10800000" flipV="1">
-            <a:off x="8649733" y="3745288"/>
-            <a:ext cx="691977" cy="1114166"/>
-          </a:xfrm>
-          <a:prstGeom prst="bentConnector3">
-            <a:avLst/>
-          </a:prstGeom>
-          <a:ln>
-            <a:tailEnd type="triangle"/>
-          </a:ln>
-        </p:spPr>
-        <p:style>
-          <a:lnRef idx="1">
-            <a:schemeClr val="dk1"/>
-          </a:lnRef>
-          <a:fillRef idx="0">
-            <a:schemeClr val="dk1"/>
-          </a:fillRef>
-          <a:effectRef idx="0">
-            <a:schemeClr val="dk1"/>
-          </a:effectRef>
-          <a:fontRef idx="minor">
-            <a:schemeClr val="tx1"/>
-          </a:fontRef>
-        </p:style>
-      </p:cxnSp>
-      <p:cxnSp>
-        <p:nvCxnSpPr>
-          <p:cNvPr id="22" name="Straight Arrow Connector 21"/>
-          <p:cNvCxnSpPr>
-            <a:stCxn id="12" idx="1"/>
-            <a:endCxn id="16" idx="3"/>
-          </p:cNvCxnSpPr>
-          <p:nvPr/>
-        </p:nvCxnSpPr>
-        <p:spPr>
-          <a:xfrm flipH="1" flipV="1">
-            <a:off x="8649733" y="3745287"/>
-            <a:ext cx="691976" cy="1"/>
-          </a:xfrm>
-          <a:prstGeom prst="straightConnector1">
-            <a:avLst/>
-          </a:prstGeom>
-          <a:ln>
-            <a:tailEnd type="triangle"/>
-          </a:ln>
-        </p:spPr>
-        <p:style>
-          <a:lnRef idx="1">
-            <a:schemeClr val="dk1"/>
-          </a:lnRef>
-          <a:fillRef idx="0">
-            <a:schemeClr val="dk1"/>
-          </a:fillRef>
-          <a:effectRef idx="0">
-            <a:schemeClr val="dk1"/>
-          </a:effectRef>
-          <a:fontRef idx="minor">
-            <a:schemeClr val="tx1"/>
-          </a:fontRef>
-        </p:style>
-      </p:cxnSp>
-      <p:sp>
-        <p:nvSpPr>
-          <p:cNvPr id="24" name="Rectangle 23"/>
+      <p:sp>
+        <p:nvSpPr>
+          <p:cNvPr id="18" name="Rectangle 17"/>
           <p:cNvSpPr/>
           <p:nvPr/>
         </p:nvSpPr>
         <p:spPr>
           <a:xfrm>
-            <a:off x="1465560" y="3366345"/>
-            <a:ext cx="1383955" cy="757881"/>
+            <a:off x="3201875" y="3980809"/>
+            <a:ext cx="1418064" cy="888009"/>
           </a:xfrm>
           <a:prstGeom prst="rect">
             <a:avLst/>
@@ -5201,49 +5220,7 @@
             <a:pPr algn="ctr"/>
             <a:r>
               <a:rPr lang="en-US" dirty="0" smtClean="0"/>
-              <a:t>Quadrotor</a:t>
-            </a:r>
-            <a:endParaRPr lang="en-US" dirty="0"/>
-          </a:p>
-        </p:txBody>
-      </p:sp>
-      <p:sp>
-        <p:nvSpPr>
-          <p:cNvPr id="25" name="Rectangle 24"/>
-          <p:cNvSpPr/>
-          <p:nvPr/>
-        </p:nvSpPr>
-        <p:spPr>
-          <a:xfrm>
-            <a:off x="7265776" y="1115357"/>
-            <a:ext cx="1383955" cy="757881"/>
-          </a:xfrm>
-          <a:prstGeom prst="rect">
-            <a:avLst/>
-          </a:prstGeom>
-        </p:spPr>
-        <p:style>
-          <a:lnRef idx="2">
-            <a:schemeClr val="dk1"/>
-          </a:lnRef>
-          <a:fillRef idx="1">
-            <a:schemeClr val="lt1"/>
-          </a:fillRef>
-          <a:effectRef idx="0">
-            <a:schemeClr val="dk1"/>
-          </a:effectRef>
-          <a:fontRef idx="minor">
-            <a:schemeClr val="dk1"/>
-          </a:fontRef>
-        </p:style>
-        <p:txBody>
-          <a:bodyPr rtlCol="0" anchor="ctr"/>
-          <a:lstStyle/>
-          <a:p>
-            <a:pPr algn="ctr"/>
-            <a:r>
-              <a:rPr lang="en-US" dirty="0" smtClean="0"/>
-              <a:t>IMU</a:t>
+              <a:t>Planner Generated Set point</a:t>
             </a:r>
             <a:endParaRPr lang="en-US" dirty="0"/>
           </a:p>
@@ -5251,19 +5228,16 @@
       </p:sp>
       <p:cxnSp>
         <p:nvCxnSpPr>
-          <p:cNvPr id="28" name="Elbow Connector 27"/>
-          <p:cNvCxnSpPr>
-            <a:stCxn id="25" idx="3"/>
-            <a:endCxn id="2" idx="0"/>
-          </p:cNvCxnSpPr>
+          <p:cNvPr id="24" name="Straight Arrow Connector 23"/>
+          <p:cNvCxnSpPr/>
           <p:nvPr/>
         </p:nvCxnSpPr>
         <p:spPr>
           <a:xfrm>
-            <a:off x="8649731" y="1494298"/>
-            <a:ext cx="1383955" cy="761496"/>
-          </a:xfrm>
-          <a:prstGeom prst="bentConnector2">
+            <a:off x="3910907" y="3680605"/>
+            <a:ext cx="0" cy="300204"/>
+          </a:xfrm>
+          <a:prstGeom prst="straightConnector1">
             <a:avLst/>
           </a:prstGeom>
           <a:ln>
@@ -5285,152 +5259,18 @@
           </a:fontRef>
         </p:style>
       </p:cxnSp>
-      <p:sp>
-        <p:nvSpPr>
-          <p:cNvPr id="29" name="TextBox 28"/>
-          <p:cNvSpPr txBox="1"/>
-          <p:nvPr/>
-        </p:nvSpPr>
-        <p:spPr>
-          <a:xfrm>
-            <a:off x="8723866" y="1115357"/>
-            <a:ext cx="2373470" cy="615553"/>
-          </a:xfrm>
-          <a:prstGeom prst="rect">
-            <a:avLst/>
-          </a:prstGeom>
-          <a:noFill/>
-        </p:spPr>
-        <p:txBody>
-          <a:bodyPr wrap="none" rtlCol="0">
-            <a:spAutoFit/>
-          </a:bodyPr>
-          <a:lstStyle/>
-          <a:p>
-            <a:r>
-              <a:rPr lang="en-US" sz="1600" dirty="0" err="1" smtClean="0"/>
-              <a:t>p,q,r</a:t>
-            </a:r>
-            <a:r>
-              <a:rPr lang="en-US" sz="1600" dirty="0" smtClean="0"/>
-              <a:t> | a</a:t>
-            </a:r>
-            <a:r>
-              <a:rPr lang="en-US" sz="1600" baseline="-25000" dirty="0" smtClean="0"/>
-              <a:t>x-b</a:t>
-            </a:r>
-            <a:r>
-              <a:rPr lang="en-US" sz="1600" dirty="0" smtClean="0"/>
-              <a:t> a</a:t>
-            </a:r>
-            <a:r>
-              <a:rPr lang="en-US" sz="1600" baseline="-25000" dirty="0" smtClean="0"/>
-              <a:t>y-b </a:t>
-            </a:r>
-            <a:r>
-              <a:rPr lang="en-US" sz="1600" dirty="0" err="1" smtClean="0"/>
-              <a:t>a</a:t>
-            </a:r>
-            <a:r>
-              <a:rPr lang="en-US" sz="1600" baseline="-25000" dirty="0" err="1" smtClean="0"/>
-              <a:t>z</a:t>
-            </a:r>
-            <a:r>
-              <a:rPr lang="en-US" sz="1600" baseline="-25000" dirty="0" smtClean="0"/>
-              <a:t>-b </a:t>
-            </a:r>
-            <a:r>
-              <a:rPr lang="en-US" sz="1600" dirty="0" smtClean="0"/>
-              <a:t>|</a:t>
-            </a:r>
-            <a:r>
-              <a:rPr lang="en-US" sz="1600" dirty="0" err="1"/>
-              <a:t>φ</a:t>
-            </a:r>
-            <a:r>
-              <a:rPr lang="en-US" sz="1600" baseline="-25000" dirty="0" err="1"/>
-              <a:t>b</a:t>
-            </a:r>
-            <a:r>
-              <a:rPr lang="en-US" sz="1600" dirty="0" err="1"/>
-              <a:t>θ</a:t>
-            </a:r>
-            <a:r>
-              <a:rPr lang="en-US" sz="1600" baseline="-25000" dirty="0" err="1"/>
-              <a:t>b</a:t>
-            </a:r>
-            <a:r>
-              <a:rPr lang="en-US" sz="1600" dirty="0" err="1"/>
-              <a:t>ψ</a:t>
-            </a:r>
-            <a:r>
-              <a:rPr lang="en-US" sz="1600" baseline="-25000" dirty="0" err="1"/>
-              <a:t>b</a:t>
-            </a:r>
-            <a:endParaRPr lang="en-US" sz="1600" dirty="0"/>
-          </a:p>
-          <a:p>
-            <a:endParaRPr lang="en-US" dirty="0"/>
-          </a:p>
-        </p:txBody>
-      </p:sp>
-      <p:sp>
-        <p:nvSpPr>
-          <p:cNvPr id="30" name="Rectangle 29"/>
-          <p:cNvSpPr/>
-          <p:nvPr/>
-        </p:nvSpPr>
-        <p:spPr>
-          <a:xfrm>
-            <a:off x="7265775" y="5613720"/>
-            <a:ext cx="1383955" cy="757881"/>
-          </a:xfrm>
-          <a:prstGeom prst="rect">
-            <a:avLst/>
-          </a:prstGeom>
-        </p:spPr>
-        <p:style>
-          <a:lnRef idx="2">
-            <a:schemeClr val="dk1"/>
-          </a:lnRef>
-          <a:fillRef idx="1">
-            <a:schemeClr val="lt1"/>
-          </a:fillRef>
-          <a:effectRef idx="0">
-            <a:schemeClr val="dk1"/>
-          </a:effectRef>
-          <a:fontRef idx="minor">
-            <a:schemeClr val="dk1"/>
-          </a:fontRef>
-        </p:style>
-        <p:txBody>
-          <a:bodyPr rtlCol="0" anchor="ctr"/>
-          <a:lstStyle/>
-          <a:p>
-            <a:pPr algn="ctr"/>
-            <a:r>
-              <a:rPr lang="en-US" dirty="0" smtClean="0"/>
-              <a:t>Altitude</a:t>
-            </a:r>
-            <a:endParaRPr lang="en-US" dirty="0"/>
-          </a:p>
-        </p:txBody>
-      </p:sp>
       <p:cxnSp>
         <p:nvCxnSpPr>
-          <p:cNvPr id="32" name="Elbow Connector 31"/>
-          <p:cNvCxnSpPr>
-            <a:stCxn id="12" idx="1"/>
-            <a:endCxn id="30" idx="3"/>
-          </p:cNvCxnSpPr>
+          <p:cNvPr id="25" name="Straight Arrow Connector 24"/>
+          <p:cNvCxnSpPr/>
           <p:nvPr/>
         </p:nvCxnSpPr>
         <p:spPr>
-          <a:xfrm rot="10800000" flipV="1">
-            <a:off x="8649731" y="3745287"/>
-            <a:ext cx="691979" cy="2247373"/>
-          </a:xfrm>
-          <a:prstGeom prst="bentConnector3">
+          <a:xfrm>
+            <a:off x="2328363" y="3663793"/>
+            <a:ext cx="0" cy="317016"/>
+          </a:xfrm>
+          <a:prstGeom prst="straightConnector1">
             <a:avLst/>
           </a:prstGeom>
           <a:ln>
@@ -5452,10 +5292,712 @@
           </a:fontRef>
         </p:style>
       </p:cxnSp>
+      <p:cxnSp>
+        <p:nvCxnSpPr>
+          <p:cNvPr id="26" name="Straight Arrow Connector 25"/>
+          <p:cNvCxnSpPr/>
+          <p:nvPr/>
+        </p:nvCxnSpPr>
+        <p:spPr>
+          <a:xfrm>
+            <a:off x="3910907" y="4868818"/>
+            <a:ext cx="0" cy="255117"/>
+          </a:xfrm>
+          <a:prstGeom prst="straightConnector1">
+            <a:avLst/>
+          </a:prstGeom>
+          <a:ln>
+            <a:tailEnd type="triangle"/>
+          </a:ln>
+        </p:spPr>
+        <p:style>
+          <a:lnRef idx="1">
+            <a:schemeClr val="dk1"/>
+          </a:lnRef>
+          <a:fillRef idx="0">
+            <a:schemeClr val="dk1"/>
+          </a:fillRef>
+          <a:effectRef idx="0">
+            <a:schemeClr val="dk1"/>
+          </a:effectRef>
+          <a:fontRef idx="minor">
+            <a:schemeClr val="tx1"/>
+          </a:fontRef>
+        </p:style>
+      </p:cxnSp>
+      <p:cxnSp>
+        <p:nvCxnSpPr>
+          <p:cNvPr id="28" name="Straight Arrow Connector 27"/>
+          <p:cNvCxnSpPr/>
+          <p:nvPr/>
+        </p:nvCxnSpPr>
+        <p:spPr>
+          <a:xfrm>
+            <a:off x="2328363" y="4868818"/>
+            <a:ext cx="0" cy="255117"/>
+          </a:xfrm>
+          <a:prstGeom prst="straightConnector1">
+            <a:avLst/>
+          </a:prstGeom>
+          <a:ln>
+            <a:tailEnd type="triangle"/>
+          </a:ln>
+        </p:spPr>
+        <p:style>
+          <a:lnRef idx="1">
+            <a:schemeClr val="dk1"/>
+          </a:lnRef>
+          <a:fillRef idx="0">
+            <a:schemeClr val="dk1"/>
+          </a:fillRef>
+          <a:effectRef idx="0">
+            <a:schemeClr val="dk1"/>
+          </a:effectRef>
+          <a:fontRef idx="minor">
+            <a:schemeClr val="tx1"/>
+          </a:fontRef>
+        </p:style>
+      </p:cxnSp>
+      <p:cxnSp>
+        <p:nvCxnSpPr>
+          <p:cNvPr id="30" name="Straight Arrow Connector 29"/>
+          <p:cNvCxnSpPr>
+            <a:stCxn id="16" idx="2"/>
+            <a:endCxn id="17" idx="0"/>
+          </p:cNvCxnSpPr>
+          <p:nvPr/>
+        </p:nvCxnSpPr>
+        <p:spPr>
+          <a:xfrm>
+            <a:off x="3153936" y="5455910"/>
+            <a:ext cx="0" cy="230918"/>
+          </a:xfrm>
+          <a:prstGeom prst="straightConnector1">
+            <a:avLst/>
+          </a:prstGeom>
+          <a:ln>
+            <a:tailEnd type="triangle"/>
+          </a:ln>
+        </p:spPr>
+        <p:style>
+          <a:lnRef idx="1">
+            <a:schemeClr val="dk1"/>
+          </a:lnRef>
+          <a:fillRef idx="0">
+            <a:schemeClr val="dk1"/>
+          </a:fillRef>
+          <a:effectRef idx="0">
+            <a:schemeClr val="dk1"/>
+          </a:effectRef>
+          <a:fontRef idx="minor">
+            <a:schemeClr val="tx1"/>
+          </a:fontRef>
+        </p:style>
+      </p:cxnSp>
+      <p:sp>
+        <p:nvSpPr>
+          <p:cNvPr id="33" name="Rectangle 32"/>
+          <p:cNvSpPr/>
+          <p:nvPr/>
+        </p:nvSpPr>
+        <p:spPr>
+          <a:xfrm>
+            <a:off x="7408127" y="2242387"/>
+            <a:ext cx="3259873" cy="2823883"/>
+          </a:xfrm>
+          <a:prstGeom prst="rect">
+            <a:avLst/>
+          </a:prstGeom>
+        </p:spPr>
+        <p:style>
+          <a:lnRef idx="2">
+            <a:schemeClr val="dk1"/>
+          </a:lnRef>
+          <a:fillRef idx="1">
+            <a:schemeClr val="lt1"/>
+          </a:fillRef>
+          <a:effectRef idx="0">
+            <a:schemeClr val="dk1"/>
+          </a:effectRef>
+          <a:fontRef idx="minor">
+            <a:schemeClr val="dk1"/>
+          </a:fontRef>
+        </p:style>
+        <p:txBody>
+          <a:bodyPr rtlCol="0" anchor="ctr"/>
+          <a:lstStyle/>
+          <a:p>
+            <a:pPr algn="ctr"/>
+            <a:endParaRPr lang="en-US"/>
+          </a:p>
+        </p:txBody>
+      </p:sp>
+      <p:sp>
+        <p:nvSpPr>
+          <p:cNvPr id="34" name="Rectangle 33"/>
+          <p:cNvSpPr/>
+          <p:nvPr/>
+        </p:nvSpPr>
+        <p:spPr>
+          <a:xfrm>
+            <a:off x="7521498" y="3315106"/>
+            <a:ext cx="3033132" cy="365499"/>
+          </a:xfrm>
+          <a:prstGeom prst="rect">
+            <a:avLst/>
+          </a:prstGeom>
+        </p:spPr>
+        <p:style>
+          <a:lnRef idx="1">
+            <a:schemeClr val="dk1"/>
+          </a:lnRef>
+          <a:fillRef idx="2">
+            <a:schemeClr val="dk1"/>
+          </a:fillRef>
+          <a:effectRef idx="1">
+            <a:schemeClr val="dk1"/>
+          </a:effectRef>
+          <a:fontRef idx="minor">
+            <a:schemeClr val="dk1"/>
+          </a:fontRef>
+        </p:style>
+        <p:txBody>
+          <a:bodyPr rtlCol="0" anchor="ctr"/>
+          <a:lstStyle/>
+          <a:p>
+            <a:pPr algn="ctr"/>
+            <a:r>
+              <a:rPr lang="en-US" dirty="0" smtClean="0"/>
+              <a:t>ROS publish/subscribe bus</a:t>
+            </a:r>
+            <a:endParaRPr lang="en-US" dirty="0"/>
+          </a:p>
+        </p:txBody>
+      </p:sp>
+      <p:sp>
+        <p:nvSpPr>
+          <p:cNvPr id="35" name="Rectangle 34"/>
+          <p:cNvSpPr/>
+          <p:nvPr/>
+        </p:nvSpPr>
+        <p:spPr>
+          <a:xfrm>
+            <a:off x="7521498" y="2396829"/>
+            <a:ext cx="1418064" cy="758283"/>
+          </a:xfrm>
+          <a:prstGeom prst="rect">
+            <a:avLst/>
+          </a:prstGeom>
+        </p:spPr>
+        <p:style>
+          <a:lnRef idx="1">
+            <a:schemeClr val="accent2"/>
+          </a:lnRef>
+          <a:fillRef idx="2">
+            <a:schemeClr val="accent2"/>
+          </a:fillRef>
+          <a:effectRef idx="1">
+            <a:schemeClr val="accent2"/>
+          </a:effectRef>
+          <a:fontRef idx="minor">
+            <a:schemeClr val="dk1"/>
+          </a:fontRef>
+        </p:style>
+        <p:txBody>
+          <a:bodyPr rtlCol="0" anchor="ctr"/>
+          <a:lstStyle/>
+          <a:p>
+            <a:pPr algn="ctr"/>
+            <a:r>
+              <a:rPr lang="en-US" dirty="0" smtClean="0"/>
+              <a:t>SLAM</a:t>
+            </a:r>
+            <a:endParaRPr lang="en-US" dirty="0"/>
+          </a:p>
+        </p:txBody>
+      </p:sp>
+      <p:sp>
+        <p:nvSpPr>
+          <p:cNvPr id="36" name="Rectangle 35"/>
+          <p:cNvSpPr/>
+          <p:nvPr/>
+        </p:nvSpPr>
+        <p:spPr>
+          <a:xfrm>
+            <a:off x="9094749" y="2396828"/>
+            <a:ext cx="1459881" cy="758284"/>
+          </a:xfrm>
+          <a:prstGeom prst="rect">
+            <a:avLst/>
+          </a:prstGeom>
+        </p:spPr>
+        <p:style>
+          <a:lnRef idx="1">
+            <a:schemeClr val="accent1"/>
+          </a:lnRef>
+          <a:fillRef idx="2">
+            <a:schemeClr val="accent1"/>
+          </a:fillRef>
+          <a:effectRef idx="1">
+            <a:schemeClr val="accent1"/>
+          </a:effectRef>
+          <a:fontRef idx="minor">
+            <a:schemeClr val="dk1"/>
+          </a:fontRef>
+        </p:style>
+        <p:txBody>
+          <a:bodyPr rtlCol="0" anchor="ctr"/>
+          <a:lstStyle/>
+          <a:p>
+            <a:pPr algn="ctr"/>
+            <a:r>
+              <a:rPr lang="en-US" dirty="0" smtClean="0"/>
+              <a:t>Obstacle Avoidance</a:t>
+            </a:r>
+            <a:endParaRPr lang="en-US" dirty="0"/>
+          </a:p>
+        </p:txBody>
+      </p:sp>
+      <p:sp>
+        <p:nvSpPr>
+          <p:cNvPr id="37" name="Rectangle 36"/>
+          <p:cNvSpPr/>
+          <p:nvPr/>
+        </p:nvSpPr>
+        <p:spPr>
+          <a:xfrm>
+            <a:off x="7521498" y="3980809"/>
+            <a:ext cx="1418064" cy="888009"/>
+          </a:xfrm>
+          <a:prstGeom prst="rect">
+            <a:avLst/>
+          </a:prstGeom>
+        </p:spPr>
+        <p:style>
+          <a:lnRef idx="1">
+            <a:schemeClr val="accent1"/>
+          </a:lnRef>
+          <a:fillRef idx="2">
+            <a:schemeClr val="accent1"/>
+          </a:fillRef>
+          <a:effectRef idx="1">
+            <a:schemeClr val="accent1"/>
+          </a:effectRef>
+          <a:fontRef idx="minor">
+            <a:schemeClr val="dk1"/>
+          </a:fontRef>
+        </p:style>
+        <p:txBody>
+          <a:bodyPr rtlCol="0" anchor="ctr"/>
+          <a:lstStyle/>
+          <a:p>
+            <a:pPr algn="ctr"/>
+            <a:r>
+              <a:rPr lang="en-US" dirty="0" smtClean="0"/>
+              <a:t>Local NED Publisher</a:t>
+            </a:r>
+            <a:endParaRPr lang="en-US" dirty="0"/>
+          </a:p>
+        </p:txBody>
+      </p:sp>
+      <p:sp>
+        <p:nvSpPr>
+          <p:cNvPr id="40" name="Rectangle 39"/>
+          <p:cNvSpPr/>
+          <p:nvPr/>
+        </p:nvSpPr>
+        <p:spPr>
+          <a:xfrm>
+            <a:off x="9086003" y="3980809"/>
+            <a:ext cx="1418064" cy="888009"/>
+          </a:xfrm>
+          <a:prstGeom prst="rect">
+            <a:avLst/>
+          </a:prstGeom>
+        </p:spPr>
+        <p:style>
+          <a:lnRef idx="1">
+            <a:schemeClr val="accent1"/>
+          </a:lnRef>
+          <a:fillRef idx="2">
+            <a:schemeClr val="accent1"/>
+          </a:fillRef>
+          <a:effectRef idx="1">
+            <a:schemeClr val="accent1"/>
+          </a:effectRef>
+          <a:fontRef idx="minor">
+            <a:schemeClr val="dk1"/>
+          </a:fontRef>
+        </p:style>
+        <p:txBody>
+          <a:bodyPr rtlCol="0" anchor="ctr"/>
+          <a:lstStyle/>
+          <a:p>
+            <a:pPr algn="ctr"/>
+            <a:r>
+              <a:rPr lang="en-US" dirty="0" smtClean="0"/>
+              <a:t>Path</a:t>
+            </a:r>
+          </a:p>
+          <a:p>
+            <a:pPr algn="ctr"/>
+            <a:r>
+              <a:rPr lang="en-US" dirty="0" smtClean="0"/>
+              <a:t> Planner</a:t>
+            </a:r>
+            <a:endParaRPr lang="en-US" dirty="0"/>
+          </a:p>
+        </p:txBody>
+      </p:sp>
+      <p:cxnSp>
+        <p:nvCxnSpPr>
+          <p:cNvPr id="49" name="Straight Arrow Connector 48"/>
+          <p:cNvCxnSpPr>
+            <a:stCxn id="37" idx="0"/>
+          </p:cNvCxnSpPr>
+          <p:nvPr/>
+        </p:nvCxnSpPr>
+        <p:spPr>
+          <a:xfrm flipV="1">
+            <a:off x="8230530" y="3680606"/>
+            <a:ext cx="10221" cy="300203"/>
+          </a:xfrm>
+          <a:prstGeom prst="straightConnector1">
+            <a:avLst/>
+          </a:prstGeom>
+          <a:ln>
+            <a:tailEnd type="triangle"/>
+          </a:ln>
+        </p:spPr>
+        <p:style>
+          <a:lnRef idx="1">
+            <a:schemeClr val="dk1"/>
+          </a:lnRef>
+          <a:fillRef idx="0">
+            <a:schemeClr val="dk1"/>
+          </a:fillRef>
+          <a:effectRef idx="0">
+            <a:schemeClr val="dk1"/>
+          </a:effectRef>
+          <a:fontRef idx="minor">
+            <a:schemeClr val="tx1"/>
+          </a:fontRef>
+        </p:style>
+      </p:cxnSp>
+      <p:cxnSp>
+        <p:nvCxnSpPr>
+          <p:cNvPr id="52" name="Straight Arrow Connector 51"/>
+          <p:cNvCxnSpPr/>
+          <p:nvPr/>
+        </p:nvCxnSpPr>
+        <p:spPr>
+          <a:xfrm flipV="1">
+            <a:off x="9761965" y="3679725"/>
+            <a:ext cx="10221" cy="300203"/>
+          </a:xfrm>
+          <a:prstGeom prst="straightConnector1">
+            <a:avLst/>
+          </a:prstGeom>
+          <a:ln>
+            <a:tailEnd type="triangle"/>
+          </a:ln>
+        </p:spPr>
+        <p:style>
+          <a:lnRef idx="1">
+            <a:schemeClr val="dk1"/>
+          </a:lnRef>
+          <a:fillRef idx="0">
+            <a:schemeClr val="dk1"/>
+          </a:fillRef>
+          <a:effectRef idx="0">
+            <a:schemeClr val="dk1"/>
+          </a:effectRef>
+          <a:fontRef idx="minor">
+            <a:schemeClr val="tx1"/>
+          </a:fontRef>
+        </p:style>
+      </p:cxnSp>
+      <p:cxnSp>
+        <p:nvCxnSpPr>
+          <p:cNvPr id="58" name="Straight Arrow Connector 57"/>
+          <p:cNvCxnSpPr/>
+          <p:nvPr/>
+        </p:nvCxnSpPr>
+        <p:spPr>
+          <a:xfrm>
+            <a:off x="4783872" y="3497855"/>
+            <a:ext cx="2624255" cy="0"/>
+          </a:xfrm>
+          <a:prstGeom prst="straightConnector1">
+            <a:avLst/>
+          </a:prstGeom>
+          <a:ln>
+            <a:headEnd type="triangle"/>
+            <a:tailEnd type="triangle"/>
+          </a:ln>
+        </p:spPr>
+        <p:style>
+          <a:lnRef idx="1">
+            <a:schemeClr val="dk1"/>
+          </a:lnRef>
+          <a:fillRef idx="0">
+            <a:schemeClr val="dk1"/>
+          </a:fillRef>
+          <a:effectRef idx="0">
+            <a:schemeClr val="dk1"/>
+          </a:effectRef>
+          <a:fontRef idx="minor">
+            <a:schemeClr val="tx1"/>
+          </a:fontRef>
+        </p:style>
+      </p:cxnSp>
+      <p:sp>
+        <p:nvSpPr>
+          <p:cNvPr id="59" name="TextBox 58"/>
+          <p:cNvSpPr txBox="1"/>
+          <p:nvPr/>
+        </p:nvSpPr>
+        <p:spPr>
+          <a:xfrm>
+            <a:off x="5333514" y="3552950"/>
+            <a:ext cx="1524969" cy="923330"/>
+          </a:xfrm>
+          <a:prstGeom prst="rect">
+            <a:avLst/>
+          </a:prstGeom>
+          <a:noFill/>
+        </p:spPr>
+        <p:txBody>
+          <a:bodyPr wrap="none" rtlCol="0">
+            <a:spAutoFit/>
+          </a:bodyPr>
+          <a:lstStyle/>
+          <a:p>
+            <a:r>
+              <a:rPr lang="en-US" dirty="0" smtClean="0"/>
+              <a:t>UART </a:t>
+            </a:r>
+            <a:r>
+              <a:rPr lang="en-US" dirty="0" err="1" smtClean="0"/>
+              <a:t>MAVlink</a:t>
+            </a:r>
+            <a:endParaRPr lang="en-US" dirty="0" smtClean="0"/>
+          </a:p>
+          <a:p>
+            <a:r>
+              <a:rPr lang="en-US" dirty="0" smtClean="0"/>
+              <a:t>&gt;250 Hz</a:t>
+            </a:r>
+          </a:p>
+          <a:p>
+            <a:r>
+              <a:rPr lang="en-US" dirty="0" smtClean="0"/>
+              <a:t>&lt; 1 </a:t>
+            </a:r>
+            <a:r>
+              <a:rPr lang="en-US" dirty="0" err="1" smtClean="0"/>
+              <a:t>ms</a:t>
+            </a:r>
+            <a:r>
+              <a:rPr lang="en-US" dirty="0" smtClean="0"/>
+              <a:t> latency</a:t>
+            </a:r>
+            <a:endParaRPr lang="en-US" dirty="0"/>
+          </a:p>
+        </p:txBody>
+      </p:sp>
+      <p:sp>
+        <p:nvSpPr>
+          <p:cNvPr id="3" name="TextBox 2"/>
+          <p:cNvSpPr txBox="1"/>
+          <p:nvPr/>
+        </p:nvSpPr>
+        <p:spPr>
+          <a:xfrm>
+            <a:off x="1369375" y="1852361"/>
+            <a:ext cx="3569119" cy="400110"/>
+          </a:xfrm>
+          <a:prstGeom prst="rect">
+            <a:avLst/>
+          </a:prstGeom>
+          <a:noFill/>
+        </p:spPr>
+        <p:txBody>
+          <a:bodyPr wrap="none" rtlCol="0">
+            <a:spAutoFit/>
+          </a:bodyPr>
+          <a:lstStyle/>
+          <a:p>
+            <a:pPr algn="ctr"/>
+            <a:r>
+              <a:rPr lang="en-US" sz="2000" b="1" dirty="0" smtClean="0"/>
+              <a:t>Embedded Controller (Pixhawk)</a:t>
+            </a:r>
+            <a:endParaRPr lang="en-US" sz="2000" b="1" dirty="0"/>
+          </a:p>
+        </p:txBody>
+      </p:sp>
+      <p:sp>
+        <p:nvSpPr>
+          <p:cNvPr id="41" name="TextBox 40"/>
+          <p:cNvSpPr txBox="1"/>
+          <p:nvPr/>
+        </p:nvSpPr>
+        <p:spPr>
+          <a:xfrm>
+            <a:off x="7461317" y="1849803"/>
+            <a:ext cx="3153492" cy="400110"/>
+          </a:xfrm>
+          <a:prstGeom prst="rect">
+            <a:avLst/>
+          </a:prstGeom>
+          <a:noFill/>
+        </p:spPr>
+        <p:txBody>
+          <a:bodyPr wrap="none" rtlCol="0">
+            <a:spAutoFit/>
+          </a:bodyPr>
+          <a:lstStyle/>
+          <a:p>
+            <a:pPr algn="ctr"/>
+            <a:r>
+              <a:rPr lang="en-US" sz="2000" b="1" dirty="0" smtClean="0"/>
+              <a:t>Linux Companion Computer</a:t>
+            </a:r>
+            <a:endParaRPr lang="en-US" sz="2000" b="1" dirty="0"/>
+          </a:p>
+        </p:txBody>
+      </p:sp>
+      <p:sp>
+        <p:nvSpPr>
+          <p:cNvPr id="38" name="Rectangle 37"/>
+          <p:cNvSpPr/>
+          <p:nvPr/>
+        </p:nvSpPr>
+        <p:spPr>
+          <a:xfrm>
+            <a:off x="7408126" y="5213185"/>
+            <a:ext cx="3259873" cy="276191"/>
+          </a:xfrm>
+          <a:prstGeom prst="rect">
+            <a:avLst/>
+          </a:prstGeom>
+        </p:spPr>
+        <p:style>
+          <a:lnRef idx="1">
+            <a:schemeClr val="accent1"/>
+          </a:lnRef>
+          <a:fillRef idx="2">
+            <a:schemeClr val="accent1"/>
+          </a:fillRef>
+          <a:effectRef idx="1">
+            <a:schemeClr val="accent1"/>
+          </a:effectRef>
+          <a:fontRef idx="minor">
+            <a:schemeClr val="dk1"/>
+          </a:fontRef>
+        </p:style>
+        <p:txBody>
+          <a:bodyPr rtlCol="0" anchor="ctr"/>
+          <a:lstStyle/>
+          <a:p>
+            <a:pPr algn="ctr"/>
+            <a:r>
+              <a:rPr lang="en-US" dirty="0" smtClean="0"/>
+              <a:t>Custom</a:t>
+            </a:r>
+            <a:endParaRPr lang="en-US" dirty="0"/>
+          </a:p>
+        </p:txBody>
+      </p:sp>
+      <p:sp>
+        <p:nvSpPr>
+          <p:cNvPr id="39" name="Rectangle 38"/>
+          <p:cNvSpPr/>
+          <p:nvPr/>
+        </p:nvSpPr>
+        <p:spPr>
+          <a:xfrm>
+            <a:off x="7408125" y="5577917"/>
+            <a:ext cx="3259874" cy="279186"/>
+          </a:xfrm>
+          <a:prstGeom prst="rect">
+            <a:avLst/>
+          </a:prstGeom>
+        </p:spPr>
+        <p:style>
+          <a:lnRef idx="1">
+            <a:schemeClr val="accent2"/>
+          </a:lnRef>
+          <a:fillRef idx="2">
+            <a:schemeClr val="accent2"/>
+          </a:fillRef>
+          <a:effectRef idx="1">
+            <a:schemeClr val="accent2"/>
+          </a:effectRef>
+          <a:fontRef idx="minor">
+            <a:schemeClr val="dk1"/>
+          </a:fontRef>
+        </p:style>
+        <p:txBody>
+          <a:bodyPr rtlCol="0" anchor="ctr"/>
+          <a:lstStyle/>
+          <a:p>
+            <a:pPr algn="ctr"/>
+            <a:r>
+              <a:rPr lang="en-US" dirty="0" smtClean="0"/>
+              <a:t>Modified</a:t>
+            </a:r>
+            <a:endParaRPr lang="en-US" dirty="0"/>
+          </a:p>
+        </p:txBody>
+      </p:sp>
+      <p:sp>
+        <p:nvSpPr>
+          <p:cNvPr id="42" name="Rectangle 41"/>
+          <p:cNvSpPr/>
+          <p:nvPr/>
+        </p:nvSpPr>
+        <p:spPr>
+          <a:xfrm>
+            <a:off x="7408125" y="5966707"/>
+            <a:ext cx="3259874" cy="279186"/>
+          </a:xfrm>
+          <a:prstGeom prst="rect">
+            <a:avLst/>
+          </a:prstGeom>
+        </p:spPr>
+        <p:style>
+          <a:lnRef idx="1">
+            <a:schemeClr val="accent6"/>
+          </a:lnRef>
+          <a:fillRef idx="2">
+            <a:schemeClr val="accent6"/>
+          </a:fillRef>
+          <a:effectRef idx="1">
+            <a:schemeClr val="accent6"/>
+          </a:effectRef>
+          <a:fontRef idx="minor">
+            <a:schemeClr val="dk1"/>
+          </a:fontRef>
+        </p:style>
+        <p:txBody>
+          <a:bodyPr rtlCol="0" anchor="ctr"/>
+          <a:lstStyle/>
+          <a:p>
+            <a:pPr algn="ctr"/>
+            <a:r>
+              <a:rPr lang="en-US" dirty="0" smtClean="0"/>
+              <a:t>Preexisting</a:t>
+            </a:r>
+            <a:endParaRPr lang="en-US" dirty="0"/>
+          </a:p>
+        </p:txBody>
+      </p:sp>
     </p:spTree>
     <p:extLst>
       <p:ext uri="{BB962C8B-B14F-4D97-AF65-F5344CB8AC3E}">
-        <p14:creationId xmlns:p14="http://schemas.microsoft.com/office/powerpoint/2010/main" val="3187542956"/>
+        <p14:creationId xmlns:p14="http://schemas.microsoft.com/office/powerpoint/2010/main" val="3695361314"/>
       </p:ext>
     </p:extLst>
   </p:cSld>
@@ -5702,45 +6244,14 @@
       </p:grpSp>
       <p:sp>
         <p:nvSpPr>
-          <p:cNvPr id="2" name="Title 1"/>
-          <p:cNvSpPr>
-            <a:spLocks noGrp="1"/>
-          </p:cNvSpPr>
-          <p:nvPr>
-            <p:ph type="title"/>
-          </p:nvPr>
-        </p:nvSpPr>
-        <p:spPr>
-          <a:xfrm>
-            <a:off x="838200" y="852756"/>
-            <a:ext cx="10515600" cy="685539"/>
-          </a:xfrm>
-        </p:spPr>
-        <p:txBody>
-          <a:bodyPr>
-            <a:normAutofit/>
-          </a:bodyPr>
-          <a:lstStyle/>
-          <a:p>
-            <a:pPr algn="ctr"/>
-            <a:r>
-              <a:rPr lang="en-US" sz="3600" dirty="0" smtClean="0"/>
-              <a:t>Pixhawk – Off-board Computer Interface</a:t>
-            </a:r>
-            <a:endParaRPr lang="en-US" sz="3600" dirty="0"/>
-          </a:p>
-        </p:txBody>
-      </p:sp>
-      <p:sp>
-        <p:nvSpPr>
-          <p:cNvPr id="10" name="Rectangle 9"/>
+          <p:cNvPr id="2" name="Rectangle 1"/>
           <p:cNvSpPr/>
           <p:nvPr/>
         </p:nvSpPr>
         <p:spPr>
           <a:xfrm>
-            <a:off x="1523999" y="2242387"/>
-            <a:ext cx="3259873" cy="3913789"/>
+            <a:off x="9341708" y="2255794"/>
+            <a:ext cx="1383955" cy="757881"/>
           </a:xfrm>
           <a:prstGeom prst="rect">
             <a:avLst/>
@@ -5765,33 +6276,37 @@
           <a:lstStyle/>
           <a:p>
             <a:pPr algn="ctr"/>
-            <a:endParaRPr lang="en-US"/>
-          </a:p>
-        </p:txBody>
-      </p:sp>
-      <p:sp>
-        <p:nvSpPr>
-          <p:cNvPr id="11" name="Rectangle 10"/>
+            <a:r>
+              <a:rPr lang="en-US" dirty="0" smtClean="0"/>
+              <a:t>Path Planner</a:t>
+            </a:r>
+            <a:endParaRPr lang="en-US" dirty="0"/>
+          </a:p>
+        </p:txBody>
+      </p:sp>
+      <p:sp>
+        <p:nvSpPr>
+          <p:cNvPr id="12" name="Rectangle 11"/>
           <p:cNvSpPr/>
           <p:nvPr/>
         </p:nvSpPr>
         <p:spPr>
           <a:xfrm>
-            <a:off x="1637370" y="3315107"/>
-            <a:ext cx="3033132" cy="348686"/>
+            <a:off x="9341709" y="3366347"/>
+            <a:ext cx="1383955" cy="757881"/>
           </a:xfrm>
           <a:prstGeom prst="rect">
             <a:avLst/>
           </a:prstGeom>
         </p:spPr>
         <p:style>
-          <a:lnRef idx="1">
+          <a:lnRef idx="2">
             <a:schemeClr val="dk1"/>
           </a:lnRef>
-          <a:fillRef idx="2">
-            <a:schemeClr val="dk1"/>
+          <a:fillRef idx="1">
+            <a:schemeClr val="lt1"/>
           </a:fillRef>
-          <a:effectRef idx="1">
+          <a:effectRef idx="0">
             <a:schemeClr val="dk1"/>
           </a:effectRef>
           <a:fontRef idx="minor">
@@ -5804,49 +6319,73 @@
           <a:p>
             <a:pPr algn="ctr"/>
             <a:r>
-              <a:rPr lang="en-US" dirty="0" err="1" smtClean="0"/>
-              <a:t>uORB</a:t>
-            </a:r>
-            <a:r>
               <a:rPr lang="en-US" dirty="0" smtClean="0"/>
-              <a:t> publish/</a:t>
-            </a:r>
-            <a:r>
-              <a:rPr lang="en-US" dirty="0" err="1" smtClean="0"/>
-              <a:t>subcribe</a:t>
-            </a:r>
-            <a:r>
-              <a:rPr lang="en-US" dirty="0" smtClean="0"/>
-              <a:t> bus</a:t>
+              <a:t>Controller Decision Gate</a:t>
             </a:r>
             <a:endParaRPr lang="en-US" dirty="0"/>
           </a:p>
         </p:txBody>
       </p:sp>
-      <p:sp>
-        <p:nvSpPr>
-          <p:cNvPr id="12" name="Rectangle 11"/>
+      <p:cxnSp>
+        <p:nvCxnSpPr>
+          <p:cNvPr id="13" name="Straight Arrow Connector 12"/>
+          <p:cNvCxnSpPr>
+            <a:stCxn id="2" idx="2"/>
+            <a:endCxn id="12" idx="0"/>
+          </p:cNvCxnSpPr>
+          <p:nvPr/>
+        </p:nvCxnSpPr>
+        <p:spPr>
+          <a:xfrm>
+            <a:off x="10033686" y="3013675"/>
+            <a:ext cx="1" cy="352672"/>
+          </a:xfrm>
+          <a:prstGeom prst="straightConnector1">
+            <a:avLst/>
+          </a:prstGeom>
+          <a:ln>
+            <a:tailEnd type="triangle"/>
+          </a:ln>
+        </p:spPr>
+        <p:style>
+          <a:lnRef idx="1">
+            <a:schemeClr val="dk1"/>
+          </a:lnRef>
+          <a:fillRef idx="0">
+            <a:schemeClr val="dk1"/>
+          </a:fillRef>
+          <a:effectRef idx="0">
+            <a:schemeClr val="dk1"/>
+          </a:effectRef>
+          <a:fontRef idx="minor">
+            <a:schemeClr val="tx1"/>
+          </a:fontRef>
+        </p:style>
+      </p:cxnSp>
+      <p:sp>
+        <p:nvSpPr>
+          <p:cNvPr id="14" name="Rectangle 13"/>
           <p:cNvSpPr/>
           <p:nvPr/>
         </p:nvSpPr>
         <p:spPr>
           <a:xfrm>
-            <a:off x="1637370" y="2396829"/>
-            <a:ext cx="1418064" cy="758283"/>
+            <a:off x="7265777" y="4480513"/>
+            <a:ext cx="1383955" cy="757881"/>
           </a:xfrm>
           <a:prstGeom prst="rect">
             <a:avLst/>
           </a:prstGeom>
         </p:spPr>
         <p:style>
-          <a:lnRef idx="1">
-            <a:schemeClr val="accent6"/>
+          <a:lnRef idx="2">
+            <a:schemeClr val="dk1"/>
           </a:lnRef>
-          <a:fillRef idx="2">
-            <a:schemeClr val="accent6"/>
+          <a:fillRef idx="1">
+            <a:schemeClr val="lt1"/>
           </a:fillRef>
-          <a:effectRef idx="1">
-            <a:schemeClr val="accent6"/>
+          <a:effectRef idx="0">
+            <a:schemeClr val="dk1"/>
           </a:effectRef>
           <a:fontRef idx="minor">
             <a:schemeClr val="dk1"/>
@@ -5859,7 +6398,7 @@
             <a:pPr algn="ctr"/>
             <a:r>
               <a:rPr lang="en-US" dirty="0" smtClean="0"/>
-              <a:t>Actuator &amp; Sensor Interface</a:t>
+              <a:t>Position</a:t>
             </a:r>
             <a:endParaRPr lang="en-US" dirty="0"/>
           </a:p>
@@ -5867,28 +6406,28 @@
       </p:sp>
       <p:sp>
         <p:nvSpPr>
-          <p:cNvPr id="13" name="Rectangle 12"/>
+          <p:cNvPr id="15" name="Rectangle 14"/>
           <p:cNvSpPr/>
           <p:nvPr/>
         </p:nvSpPr>
         <p:spPr>
           <a:xfrm>
-            <a:off x="3210621" y="2396828"/>
-            <a:ext cx="1459881" cy="758284"/>
+            <a:off x="7265777" y="2252179"/>
+            <a:ext cx="1383955" cy="757881"/>
           </a:xfrm>
           <a:prstGeom prst="rect">
             <a:avLst/>
           </a:prstGeom>
         </p:spPr>
         <p:style>
-          <a:lnRef idx="1">
-            <a:schemeClr val="accent6"/>
+          <a:lnRef idx="2">
+            <a:schemeClr val="dk1"/>
           </a:lnRef>
-          <a:fillRef idx="2">
-            <a:schemeClr val="accent6"/>
+          <a:fillRef idx="1">
+            <a:schemeClr val="lt1"/>
           </a:fillRef>
-          <a:effectRef idx="1">
-            <a:schemeClr val="accent6"/>
+          <a:effectRef idx="0">
+            <a:schemeClr val="dk1"/>
           </a:effectRef>
           <a:fontRef idx="minor">
             <a:schemeClr val="dk1"/>
@@ -5901,7 +6440,7 @@
             <a:pPr algn="ctr"/>
             <a:r>
               <a:rPr lang="en-US" dirty="0" smtClean="0"/>
-              <a:t>Safety Controller</a:t>
+              <a:t>Acceleration</a:t>
             </a:r>
             <a:endParaRPr lang="en-US" dirty="0"/>
           </a:p>
@@ -5909,28 +6448,28 @@
       </p:sp>
       <p:sp>
         <p:nvSpPr>
-          <p:cNvPr id="14" name="Rectangle 13"/>
+          <p:cNvPr id="16" name="Rectangle 15"/>
           <p:cNvSpPr/>
           <p:nvPr/>
         </p:nvSpPr>
         <p:spPr>
           <a:xfrm>
-            <a:off x="1637370" y="3980809"/>
-            <a:ext cx="1418064" cy="888009"/>
+            <a:off x="7265778" y="3366346"/>
+            <a:ext cx="1383955" cy="757881"/>
           </a:xfrm>
           <a:prstGeom prst="rect">
             <a:avLst/>
           </a:prstGeom>
         </p:spPr>
         <p:style>
-          <a:lnRef idx="1">
-            <a:schemeClr val="accent1"/>
+          <a:lnRef idx="2">
+            <a:schemeClr val="dk1"/>
           </a:lnRef>
-          <a:fillRef idx="2">
-            <a:schemeClr val="accent1"/>
+          <a:fillRef idx="1">
+            <a:schemeClr val="lt1"/>
           </a:fillRef>
-          <a:effectRef idx="1">
-            <a:schemeClr val="accent1"/>
+          <a:effectRef idx="0">
+            <a:schemeClr val="dk1"/>
           </a:effectRef>
           <a:fontRef idx="minor">
             <a:schemeClr val="dk1"/>
@@ -5943,106 +6482,130 @@
             <a:pPr algn="ctr"/>
             <a:r>
               <a:rPr lang="en-US" dirty="0" smtClean="0"/>
-              <a:t>Local NED Subscriber</a:t>
+              <a:t>Velocity</a:t>
             </a:r>
             <a:endParaRPr lang="en-US" dirty="0"/>
           </a:p>
         </p:txBody>
       </p:sp>
-      <p:sp>
-        <p:nvSpPr>
-          <p:cNvPr id="16" name="Rectangle 15"/>
+      <p:cxnSp>
+        <p:nvCxnSpPr>
+          <p:cNvPr id="18" name="Elbow Connector 17"/>
+          <p:cNvCxnSpPr>
+            <a:stCxn id="12" idx="1"/>
+            <a:endCxn id="15" idx="3"/>
+          </p:cNvCxnSpPr>
+          <p:nvPr/>
+        </p:nvCxnSpPr>
+        <p:spPr>
+          <a:xfrm rot="10800000">
+            <a:off x="8649733" y="2631120"/>
+            <a:ext cx="691977" cy="1114168"/>
+          </a:xfrm>
+          <a:prstGeom prst="bentConnector3">
+            <a:avLst/>
+          </a:prstGeom>
+          <a:ln>
+            <a:tailEnd type="triangle"/>
+          </a:ln>
+        </p:spPr>
+        <p:style>
+          <a:lnRef idx="1">
+            <a:schemeClr val="dk1"/>
+          </a:lnRef>
+          <a:fillRef idx="0">
+            <a:schemeClr val="dk1"/>
+          </a:fillRef>
+          <a:effectRef idx="0">
+            <a:schemeClr val="dk1"/>
+          </a:effectRef>
+          <a:fontRef idx="minor">
+            <a:schemeClr val="tx1"/>
+          </a:fontRef>
+        </p:style>
+      </p:cxnSp>
+      <p:cxnSp>
+        <p:nvCxnSpPr>
+          <p:cNvPr id="20" name="Elbow Connector 19"/>
+          <p:cNvCxnSpPr>
+            <a:stCxn id="12" idx="1"/>
+            <a:endCxn id="14" idx="3"/>
+          </p:cNvCxnSpPr>
+          <p:nvPr/>
+        </p:nvCxnSpPr>
+        <p:spPr>
+          <a:xfrm rot="10800000" flipV="1">
+            <a:off x="8649733" y="3745288"/>
+            <a:ext cx="691977" cy="1114166"/>
+          </a:xfrm>
+          <a:prstGeom prst="bentConnector3">
+            <a:avLst/>
+          </a:prstGeom>
+          <a:ln>
+            <a:tailEnd type="triangle"/>
+          </a:ln>
+        </p:spPr>
+        <p:style>
+          <a:lnRef idx="1">
+            <a:schemeClr val="dk1"/>
+          </a:lnRef>
+          <a:fillRef idx="0">
+            <a:schemeClr val="dk1"/>
+          </a:fillRef>
+          <a:effectRef idx="0">
+            <a:schemeClr val="dk1"/>
+          </a:effectRef>
+          <a:fontRef idx="minor">
+            <a:schemeClr val="tx1"/>
+          </a:fontRef>
+        </p:style>
+      </p:cxnSp>
+      <p:cxnSp>
+        <p:nvCxnSpPr>
+          <p:cNvPr id="22" name="Straight Arrow Connector 21"/>
+          <p:cNvCxnSpPr>
+            <a:stCxn id="12" idx="1"/>
+            <a:endCxn id="16" idx="3"/>
+          </p:cNvCxnSpPr>
+          <p:nvPr/>
+        </p:nvCxnSpPr>
+        <p:spPr>
+          <a:xfrm flipH="1" flipV="1">
+            <a:off x="8649733" y="3745287"/>
+            <a:ext cx="691976" cy="1"/>
+          </a:xfrm>
+          <a:prstGeom prst="straightConnector1">
+            <a:avLst/>
+          </a:prstGeom>
+          <a:ln>
+            <a:tailEnd type="triangle"/>
+          </a:ln>
+        </p:spPr>
+        <p:style>
+          <a:lnRef idx="1">
+            <a:schemeClr val="dk1"/>
+          </a:lnRef>
+          <a:fillRef idx="0">
+            <a:schemeClr val="dk1"/>
+          </a:fillRef>
+          <a:effectRef idx="0">
+            <a:schemeClr val="dk1"/>
+          </a:effectRef>
+          <a:fontRef idx="minor">
+            <a:schemeClr val="tx1"/>
+          </a:fontRef>
+        </p:style>
+      </p:cxnSp>
+      <p:sp>
+        <p:nvSpPr>
+          <p:cNvPr id="24" name="Rectangle 23"/>
           <p:cNvSpPr/>
           <p:nvPr/>
         </p:nvSpPr>
         <p:spPr>
           <a:xfrm>
-            <a:off x="1637370" y="5138894"/>
-            <a:ext cx="3033132" cy="317016"/>
-          </a:xfrm>
-          <a:prstGeom prst="rect">
-            <a:avLst/>
-          </a:prstGeom>
-        </p:spPr>
-        <p:style>
-          <a:lnRef idx="1">
-            <a:schemeClr val="accent6"/>
-          </a:lnRef>
-          <a:fillRef idx="2">
-            <a:schemeClr val="accent6"/>
-          </a:fillRef>
-          <a:effectRef idx="1">
-            <a:schemeClr val="accent6"/>
-          </a:effectRef>
-          <a:fontRef idx="minor">
-            <a:schemeClr val="dk1"/>
-          </a:fontRef>
-        </p:style>
-        <p:txBody>
-          <a:bodyPr rtlCol="0" anchor="ctr"/>
-          <a:lstStyle/>
-          <a:p>
-            <a:pPr algn="ctr"/>
-            <a:r>
-              <a:rPr lang="en-US" dirty="0" smtClean="0"/>
-              <a:t>Position Controller</a:t>
-            </a:r>
-            <a:endParaRPr lang="en-US" dirty="0"/>
-          </a:p>
-        </p:txBody>
-      </p:sp>
-      <p:sp>
-        <p:nvSpPr>
-          <p:cNvPr id="17" name="Rectangle 16"/>
-          <p:cNvSpPr/>
-          <p:nvPr/>
-        </p:nvSpPr>
-        <p:spPr>
-          <a:xfrm>
-            <a:off x="1637370" y="5686828"/>
-            <a:ext cx="3033132" cy="317016"/>
-          </a:xfrm>
-          <a:prstGeom prst="rect">
-            <a:avLst/>
-          </a:prstGeom>
-        </p:spPr>
-        <p:style>
-          <a:lnRef idx="1">
-            <a:schemeClr val="accent6"/>
-          </a:lnRef>
-          <a:fillRef idx="2">
-            <a:schemeClr val="accent6"/>
-          </a:fillRef>
-          <a:effectRef idx="1">
-            <a:schemeClr val="accent6"/>
-          </a:effectRef>
-          <a:fontRef idx="minor">
-            <a:schemeClr val="dk1"/>
-          </a:fontRef>
-        </p:style>
-        <p:txBody>
-          <a:bodyPr rtlCol="0" anchor="ctr"/>
-          <a:lstStyle/>
-          <a:p>
-            <a:pPr algn="ctr"/>
-            <a:r>
-              <a:rPr lang="en-US" dirty="0" smtClean="0"/>
-              <a:t>Attitude Controller</a:t>
-            </a:r>
-            <a:endParaRPr lang="en-US" dirty="0"/>
-          </a:p>
-        </p:txBody>
-      </p:sp>
-      <p:sp>
-        <p:nvSpPr>
-          <p:cNvPr id="18" name="Rectangle 17"/>
-          <p:cNvSpPr/>
-          <p:nvPr/>
-        </p:nvSpPr>
-        <p:spPr>
-          <a:xfrm>
-            <a:off x="3201875" y="3980809"/>
-            <a:ext cx="1418064" cy="888009"/>
+            <a:off x="1465560" y="3366345"/>
+            <a:ext cx="1383955" cy="757881"/>
           </a:xfrm>
           <a:prstGeom prst="rect">
             <a:avLst/>
@@ -6069,7 +6632,49 @@
             <a:pPr algn="ctr"/>
             <a:r>
               <a:rPr lang="en-US" dirty="0" smtClean="0"/>
-              <a:t>Planner Generated Set point</a:t>
+              <a:t>Quadrotor</a:t>
+            </a:r>
+            <a:endParaRPr lang="en-US" dirty="0"/>
+          </a:p>
+        </p:txBody>
+      </p:sp>
+      <p:sp>
+        <p:nvSpPr>
+          <p:cNvPr id="25" name="Rectangle 24"/>
+          <p:cNvSpPr/>
+          <p:nvPr/>
+        </p:nvSpPr>
+        <p:spPr>
+          <a:xfrm>
+            <a:off x="7265776" y="1115357"/>
+            <a:ext cx="1383955" cy="757881"/>
+          </a:xfrm>
+          <a:prstGeom prst="rect">
+            <a:avLst/>
+          </a:prstGeom>
+        </p:spPr>
+        <p:style>
+          <a:lnRef idx="2">
+            <a:schemeClr val="dk1"/>
+          </a:lnRef>
+          <a:fillRef idx="1">
+            <a:schemeClr val="lt1"/>
+          </a:fillRef>
+          <a:effectRef idx="0">
+            <a:schemeClr val="dk1"/>
+          </a:effectRef>
+          <a:fontRef idx="minor">
+            <a:schemeClr val="dk1"/>
+          </a:fontRef>
+        </p:style>
+        <p:txBody>
+          <a:bodyPr rtlCol="0" anchor="ctr"/>
+          <a:lstStyle/>
+          <a:p>
+            <a:pPr algn="ctr"/>
+            <a:r>
+              <a:rPr lang="en-US" dirty="0" smtClean="0"/>
+              <a:t>IMU</a:t>
             </a:r>
             <a:endParaRPr lang="en-US" dirty="0"/>
           </a:p>
@@ -6077,16 +6682,19 @@
       </p:sp>
       <p:cxnSp>
         <p:nvCxnSpPr>
-          <p:cNvPr id="24" name="Straight Arrow Connector 23"/>
-          <p:cNvCxnSpPr/>
+          <p:cNvPr id="28" name="Elbow Connector 27"/>
+          <p:cNvCxnSpPr>
+            <a:stCxn id="25" idx="3"/>
+            <a:endCxn id="2" idx="0"/>
+          </p:cNvCxnSpPr>
           <p:nvPr/>
         </p:nvCxnSpPr>
         <p:spPr>
           <a:xfrm>
-            <a:off x="3910907" y="3680605"/>
-            <a:ext cx="0" cy="300204"/>
-          </a:xfrm>
-          <a:prstGeom prst="straightConnector1">
+            <a:off x="8649731" y="1494298"/>
+            <a:ext cx="1383955" cy="761496"/>
+          </a:xfrm>
+          <a:prstGeom prst="bentConnector2">
             <a:avLst/>
           </a:prstGeom>
           <a:ln>
@@ -6108,18 +6716,152 @@
           </a:fontRef>
         </p:style>
       </p:cxnSp>
+      <p:sp>
+        <p:nvSpPr>
+          <p:cNvPr id="29" name="TextBox 28"/>
+          <p:cNvSpPr txBox="1"/>
+          <p:nvPr/>
+        </p:nvSpPr>
+        <p:spPr>
+          <a:xfrm>
+            <a:off x="8723866" y="1115357"/>
+            <a:ext cx="2373470" cy="615553"/>
+          </a:xfrm>
+          <a:prstGeom prst="rect">
+            <a:avLst/>
+          </a:prstGeom>
+          <a:noFill/>
+        </p:spPr>
+        <p:txBody>
+          <a:bodyPr wrap="none" rtlCol="0">
+            <a:spAutoFit/>
+          </a:bodyPr>
+          <a:lstStyle/>
+          <a:p>
+            <a:r>
+              <a:rPr lang="en-US" sz="1600" dirty="0" err="1" smtClean="0"/>
+              <a:t>p,q,r</a:t>
+            </a:r>
+            <a:r>
+              <a:rPr lang="en-US" sz="1600" dirty="0" smtClean="0"/>
+              <a:t> | a</a:t>
+            </a:r>
+            <a:r>
+              <a:rPr lang="en-US" sz="1600" baseline="-25000" dirty="0" smtClean="0"/>
+              <a:t>x-b</a:t>
+            </a:r>
+            <a:r>
+              <a:rPr lang="en-US" sz="1600" dirty="0" smtClean="0"/>
+              <a:t> a</a:t>
+            </a:r>
+            <a:r>
+              <a:rPr lang="en-US" sz="1600" baseline="-25000" dirty="0" smtClean="0"/>
+              <a:t>y-b </a:t>
+            </a:r>
+            <a:r>
+              <a:rPr lang="en-US" sz="1600" dirty="0" err="1" smtClean="0"/>
+              <a:t>a</a:t>
+            </a:r>
+            <a:r>
+              <a:rPr lang="en-US" sz="1600" baseline="-25000" dirty="0" err="1" smtClean="0"/>
+              <a:t>z</a:t>
+            </a:r>
+            <a:r>
+              <a:rPr lang="en-US" sz="1600" baseline="-25000" dirty="0" smtClean="0"/>
+              <a:t>-b </a:t>
+            </a:r>
+            <a:r>
+              <a:rPr lang="en-US" sz="1600" dirty="0" smtClean="0"/>
+              <a:t>|</a:t>
+            </a:r>
+            <a:r>
+              <a:rPr lang="en-US" sz="1600" dirty="0" err="1"/>
+              <a:t>φ</a:t>
+            </a:r>
+            <a:r>
+              <a:rPr lang="en-US" sz="1600" baseline="-25000" dirty="0" err="1"/>
+              <a:t>b</a:t>
+            </a:r>
+            <a:r>
+              <a:rPr lang="en-US" sz="1600" dirty="0" err="1"/>
+              <a:t>θ</a:t>
+            </a:r>
+            <a:r>
+              <a:rPr lang="en-US" sz="1600" baseline="-25000" dirty="0" err="1"/>
+              <a:t>b</a:t>
+            </a:r>
+            <a:r>
+              <a:rPr lang="en-US" sz="1600" dirty="0" err="1"/>
+              <a:t>ψ</a:t>
+            </a:r>
+            <a:r>
+              <a:rPr lang="en-US" sz="1600" baseline="-25000" dirty="0" err="1"/>
+              <a:t>b</a:t>
+            </a:r>
+            <a:endParaRPr lang="en-US" sz="1600" dirty="0"/>
+          </a:p>
+          <a:p>
+            <a:endParaRPr lang="en-US" dirty="0"/>
+          </a:p>
+        </p:txBody>
+      </p:sp>
+      <p:sp>
+        <p:nvSpPr>
+          <p:cNvPr id="30" name="Rectangle 29"/>
+          <p:cNvSpPr/>
+          <p:nvPr/>
+        </p:nvSpPr>
+        <p:spPr>
+          <a:xfrm>
+            <a:off x="7265775" y="5613720"/>
+            <a:ext cx="1383955" cy="757881"/>
+          </a:xfrm>
+          <a:prstGeom prst="rect">
+            <a:avLst/>
+          </a:prstGeom>
+        </p:spPr>
+        <p:style>
+          <a:lnRef idx="2">
+            <a:schemeClr val="dk1"/>
+          </a:lnRef>
+          <a:fillRef idx="1">
+            <a:schemeClr val="lt1"/>
+          </a:fillRef>
+          <a:effectRef idx="0">
+            <a:schemeClr val="dk1"/>
+          </a:effectRef>
+          <a:fontRef idx="minor">
+            <a:schemeClr val="dk1"/>
+          </a:fontRef>
+        </p:style>
+        <p:txBody>
+          <a:bodyPr rtlCol="0" anchor="ctr"/>
+          <a:lstStyle/>
+          <a:p>
+            <a:pPr algn="ctr"/>
+            <a:r>
+              <a:rPr lang="en-US" dirty="0" smtClean="0"/>
+              <a:t>Altitude</a:t>
+            </a:r>
+            <a:endParaRPr lang="en-US" dirty="0"/>
+          </a:p>
+        </p:txBody>
+      </p:sp>
       <p:cxnSp>
         <p:nvCxnSpPr>
-          <p:cNvPr id="25" name="Straight Arrow Connector 24"/>
-          <p:cNvCxnSpPr/>
+          <p:cNvPr id="32" name="Elbow Connector 31"/>
+          <p:cNvCxnSpPr>
+            <a:stCxn id="12" idx="1"/>
+            <a:endCxn id="30" idx="3"/>
+          </p:cNvCxnSpPr>
           <p:nvPr/>
         </p:nvCxnSpPr>
         <p:spPr>
-          <a:xfrm>
-            <a:off x="2328363" y="3663793"/>
-            <a:ext cx="0" cy="317016"/>
-          </a:xfrm>
-          <a:prstGeom prst="straightConnector1">
+          <a:xfrm rot="10800000" flipV="1">
+            <a:off x="8649731" y="3745287"/>
+            <a:ext cx="691979" cy="2247373"/>
+          </a:xfrm>
+          <a:prstGeom prst="bentConnector3">
             <a:avLst/>
           </a:prstGeom>
           <a:ln>
@@ -6141,712 +6883,10 @@
           </a:fontRef>
         </p:style>
       </p:cxnSp>
-      <p:cxnSp>
-        <p:nvCxnSpPr>
-          <p:cNvPr id="26" name="Straight Arrow Connector 25"/>
-          <p:cNvCxnSpPr/>
-          <p:nvPr/>
-        </p:nvCxnSpPr>
-        <p:spPr>
-          <a:xfrm>
-            <a:off x="3910907" y="4868818"/>
-            <a:ext cx="0" cy="255117"/>
-          </a:xfrm>
-          <a:prstGeom prst="straightConnector1">
-            <a:avLst/>
-          </a:prstGeom>
-          <a:ln>
-            <a:tailEnd type="triangle"/>
-          </a:ln>
-        </p:spPr>
-        <p:style>
-          <a:lnRef idx="1">
-            <a:schemeClr val="dk1"/>
-          </a:lnRef>
-          <a:fillRef idx="0">
-            <a:schemeClr val="dk1"/>
-          </a:fillRef>
-          <a:effectRef idx="0">
-            <a:schemeClr val="dk1"/>
-          </a:effectRef>
-          <a:fontRef idx="minor">
-            <a:schemeClr val="tx1"/>
-          </a:fontRef>
-        </p:style>
-      </p:cxnSp>
-      <p:cxnSp>
-        <p:nvCxnSpPr>
-          <p:cNvPr id="28" name="Straight Arrow Connector 27"/>
-          <p:cNvCxnSpPr/>
-          <p:nvPr/>
-        </p:nvCxnSpPr>
-        <p:spPr>
-          <a:xfrm>
-            <a:off x="2328363" y="4868818"/>
-            <a:ext cx="0" cy="255117"/>
-          </a:xfrm>
-          <a:prstGeom prst="straightConnector1">
-            <a:avLst/>
-          </a:prstGeom>
-          <a:ln>
-            <a:tailEnd type="triangle"/>
-          </a:ln>
-        </p:spPr>
-        <p:style>
-          <a:lnRef idx="1">
-            <a:schemeClr val="dk1"/>
-          </a:lnRef>
-          <a:fillRef idx="0">
-            <a:schemeClr val="dk1"/>
-          </a:fillRef>
-          <a:effectRef idx="0">
-            <a:schemeClr val="dk1"/>
-          </a:effectRef>
-          <a:fontRef idx="minor">
-            <a:schemeClr val="tx1"/>
-          </a:fontRef>
-        </p:style>
-      </p:cxnSp>
-      <p:cxnSp>
-        <p:nvCxnSpPr>
-          <p:cNvPr id="30" name="Straight Arrow Connector 29"/>
-          <p:cNvCxnSpPr>
-            <a:stCxn id="16" idx="2"/>
-            <a:endCxn id="17" idx="0"/>
-          </p:cNvCxnSpPr>
-          <p:nvPr/>
-        </p:nvCxnSpPr>
-        <p:spPr>
-          <a:xfrm>
-            <a:off x="3153936" y="5455910"/>
-            <a:ext cx="0" cy="230918"/>
-          </a:xfrm>
-          <a:prstGeom prst="straightConnector1">
-            <a:avLst/>
-          </a:prstGeom>
-          <a:ln>
-            <a:tailEnd type="triangle"/>
-          </a:ln>
-        </p:spPr>
-        <p:style>
-          <a:lnRef idx="1">
-            <a:schemeClr val="dk1"/>
-          </a:lnRef>
-          <a:fillRef idx="0">
-            <a:schemeClr val="dk1"/>
-          </a:fillRef>
-          <a:effectRef idx="0">
-            <a:schemeClr val="dk1"/>
-          </a:effectRef>
-          <a:fontRef idx="minor">
-            <a:schemeClr val="tx1"/>
-          </a:fontRef>
-        </p:style>
-      </p:cxnSp>
-      <p:sp>
-        <p:nvSpPr>
-          <p:cNvPr id="33" name="Rectangle 32"/>
-          <p:cNvSpPr/>
-          <p:nvPr/>
-        </p:nvSpPr>
-        <p:spPr>
-          <a:xfrm>
-            <a:off x="7408127" y="2242387"/>
-            <a:ext cx="3259873" cy="2823883"/>
-          </a:xfrm>
-          <a:prstGeom prst="rect">
-            <a:avLst/>
-          </a:prstGeom>
-        </p:spPr>
-        <p:style>
-          <a:lnRef idx="2">
-            <a:schemeClr val="dk1"/>
-          </a:lnRef>
-          <a:fillRef idx="1">
-            <a:schemeClr val="lt1"/>
-          </a:fillRef>
-          <a:effectRef idx="0">
-            <a:schemeClr val="dk1"/>
-          </a:effectRef>
-          <a:fontRef idx="minor">
-            <a:schemeClr val="dk1"/>
-          </a:fontRef>
-        </p:style>
-        <p:txBody>
-          <a:bodyPr rtlCol="0" anchor="ctr"/>
-          <a:lstStyle/>
-          <a:p>
-            <a:pPr algn="ctr"/>
-            <a:endParaRPr lang="en-US"/>
-          </a:p>
-        </p:txBody>
-      </p:sp>
-      <p:sp>
-        <p:nvSpPr>
-          <p:cNvPr id="34" name="Rectangle 33"/>
-          <p:cNvSpPr/>
-          <p:nvPr/>
-        </p:nvSpPr>
-        <p:spPr>
-          <a:xfrm>
-            <a:off x="7521498" y="3315106"/>
-            <a:ext cx="3033132" cy="365499"/>
-          </a:xfrm>
-          <a:prstGeom prst="rect">
-            <a:avLst/>
-          </a:prstGeom>
-        </p:spPr>
-        <p:style>
-          <a:lnRef idx="1">
-            <a:schemeClr val="dk1"/>
-          </a:lnRef>
-          <a:fillRef idx="2">
-            <a:schemeClr val="dk1"/>
-          </a:fillRef>
-          <a:effectRef idx="1">
-            <a:schemeClr val="dk1"/>
-          </a:effectRef>
-          <a:fontRef idx="minor">
-            <a:schemeClr val="dk1"/>
-          </a:fontRef>
-        </p:style>
-        <p:txBody>
-          <a:bodyPr rtlCol="0" anchor="ctr"/>
-          <a:lstStyle/>
-          <a:p>
-            <a:pPr algn="ctr"/>
-            <a:r>
-              <a:rPr lang="en-US" dirty="0" smtClean="0"/>
-              <a:t>ROS publish/subscribe bus</a:t>
-            </a:r>
-            <a:endParaRPr lang="en-US" dirty="0"/>
-          </a:p>
-        </p:txBody>
-      </p:sp>
-      <p:sp>
-        <p:nvSpPr>
-          <p:cNvPr id="35" name="Rectangle 34"/>
-          <p:cNvSpPr/>
-          <p:nvPr/>
-        </p:nvSpPr>
-        <p:spPr>
-          <a:xfrm>
-            <a:off x="7521498" y="2396829"/>
-            <a:ext cx="1418064" cy="758283"/>
-          </a:xfrm>
-          <a:prstGeom prst="rect">
-            <a:avLst/>
-          </a:prstGeom>
-        </p:spPr>
-        <p:style>
-          <a:lnRef idx="1">
-            <a:schemeClr val="accent2"/>
-          </a:lnRef>
-          <a:fillRef idx="2">
-            <a:schemeClr val="accent2"/>
-          </a:fillRef>
-          <a:effectRef idx="1">
-            <a:schemeClr val="accent2"/>
-          </a:effectRef>
-          <a:fontRef idx="minor">
-            <a:schemeClr val="dk1"/>
-          </a:fontRef>
-        </p:style>
-        <p:txBody>
-          <a:bodyPr rtlCol="0" anchor="ctr"/>
-          <a:lstStyle/>
-          <a:p>
-            <a:pPr algn="ctr"/>
-            <a:r>
-              <a:rPr lang="en-US" dirty="0" smtClean="0"/>
-              <a:t>SLAM</a:t>
-            </a:r>
-            <a:endParaRPr lang="en-US" dirty="0"/>
-          </a:p>
-        </p:txBody>
-      </p:sp>
-      <p:sp>
-        <p:nvSpPr>
-          <p:cNvPr id="36" name="Rectangle 35"/>
-          <p:cNvSpPr/>
-          <p:nvPr/>
-        </p:nvSpPr>
-        <p:spPr>
-          <a:xfrm>
-            <a:off x="9094749" y="2396828"/>
-            <a:ext cx="1459881" cy="758284"/>
-          </a:xfrm>
-          <a:prstGeom prst="rect">
-            <a:avLst/>
-          </a:prstGeom>
-        </p:spPr>
-        <p:style>
-          <a:lnRef idx="1">
-            <a:schemeClr val="accent1"/>
-          </a:lnRef>
-          <a:fillRef idx="2">
-            <a:schemeClr val="accent1"/>
-          </a:fillRef>
-          <a:effectRef idx="1">
-            <a:schemeClr val="accent1"/>
-          </a:effectRef>
-          <a:fontRef idx="minor">
-            <a:schemeClr val="dk1"/>
-          </a:fontRef>
-        </p:style>
-        <p:txBody>
-          <a:bodyPr rtlCol="0" anchor="ctr"/>
-          <a:lstStyle/>
-          <a:p>
-            <a:pPr algn="ctr"/>
-            <a:r>
-              <a:rPr lang="en-US" dirty="0" smtClean="0"/>
-              <a:t>Obstacle Avoidance</a:t>
-            </a:r>
-            <a:endParaRPr lang="en-US" dirty="0"/>
-          </a:p>
-        </p:txBody>
-      </p:sp>
-      <p:sp>
-        <p:nvSpPr>
-          <p:cNvPr id="37" name="Rectangle 36"/>
-          <p:cNvSpPr/>
-          <p:nvPr/>
-        </p:nvSpPr>
-        <p:spPr>
-          <a:xfrm>
-            <a:off x="7521498" y="3980809"/>
-            <a:ext cx="1418064" cy="888009"/>
-          </a:xfrm>
-          <a:prstGeom prst="rect">
-            <a:avLst/>
-          </a:prstGeom>
-        </p:spPr>
-        <p:style>
-          <a:lnRef idx="1">
-            <a:schemeClr val="accent1"/>
-          </a:lnRef>
-          <a:fillRef idx="2">
-            <a:schemeClr val="accent1"/>
-          </a:fillRef>
-          <a:effectRef idx="1">
-            <a:schemeClr val="accent1"/>
-          </a:effectRef>
-          <a:fontRef idx="minor">
-            <a:schemeClr val="dk1"/>
-          </a:fontRef>
-        </p:style>
-        <p:txBody>
-          <a:bodyPr rtlCol="0" anchor="ctr"/>
-          <a:lstStyle/>
-          <a:p>
-            <a:pPr algn="ctr"/>
-            <a:r>
-              <a:rPr lang="en-US" dirty="0" smtClean="0"/>
-              <a:t>Local NED Publisher</a:t>
-            </a:r>
-            <a:endParaRPr lang="en-US" dirty="0"/>
-          </a:p>
-        </p:txBody>
-      </p:sp>
-      <p:sp>
-        <p:nvSpPr>
-          <p:cNvPr id="40" name="Rectangle 39"/>
-          <p:cNvSpPr/>
-          <p:nvPr/>
-        </p:nvSpPr>
-        <p:spPr>
-          <a:xfrm>
-            <a:off x="9086003" y="3980809"/>
-            <a:ext cx="1418064" cy="888009"/>
-          </a:xfrm>
-          <a:prstGeom prst="rect">
-            <a:avLst/>
-          </a:prstGeom>
-        </p:spPr>
-        <p:style>
-          <a:lnRef idx="1">
-            <a:schemeClr val="accent1"/>
-          </a:lnRef>
-          <a:fillRef idx="2">
-            <a:schemeClr val="accent1"/>
-          </a:fillRef>
-          <a:effectRef idx="1">
-            <a:schemeClr val="accent1"/>
-          </a:effectRef>
-          <a:fontRef idx="minor">
-            <a:schemeClr val="dk1"/>
-          </a:fontRef>
-        </p:style>
-        <p:txBody>
-          <a:bodyPr rtlCol="0" anchor="ctr"/>
-          <a:lstStyle/>
-          <a:p>
-            <a:pPr algn="ctr"/>
-            <a:r>
-              <a:rPr lang="en-US" dirty="0" smtClean="0"/>
-              <a:t>Path</a:t>
-            </a:r>
-          </a:p>
-          <a:p>
-            <a:pPr algn="ctr"/>
-            <a:r>
-              <a:rPr lang="en-US" dirty="0" smtClean="0"/>
-              <a:t> Planner</a:t>
-            </a:r>
-            <a:endParaRPr lang="en-US" dirty="0"/>
-          </a:p>
-        </p:txBody>
-      </p:sp>
-      <p:cxnSp>
-        <p:nvCxnSpPr>
-          <p:cNvPr id="49" name="Straight Arrow Connector 48"/>
-          <p:cNvCxnSpPr>
-            <a:stCxn id="37" idx="0"/>
-          </p:cNvCxnSpPr>
-          <p:nvPr/>
-        </p:nvCxnSpPr>
-        <p:spPr>
-          <a:xfrm flipV="1">
-            <a:off x="8230530" y="3680606"/>
-            <a:ext cx="10221" cy="300203"/>
-          </a:xfrm>
-          <a:prstGeom prst="straightConnector1">
-            <a:avLst/>
-          </a:prstGeom>
-          <a:ln>
-            <a:tailEnd type="triangle"/>
-          </a:ln>
-        </p:spPr>
-        <p:style>
-          <a:lnRef idx="1">
-            <a:schemeClr val="dk1"/>
-          </a:lnRef>
-          <a:fillRef idx="0">
-            <a:schemeClr val="dk1"/>
-          </a:fillRef>
-          <a:effectRef idx="0">
-            <a:schemeClr val="dk1"/>
-          </a:effectRef>
-          <a:fontRef idx="minor">
-            <a:schemeClr val="tx1"/>
-          </a:fontRef>
-        </p:style>
-      </p:cxnSp>
-      <p:cxnSp>
-        <p:nvCxnSpPr>
-          <p:cNvPr id="52" name="Straight Arrow Connector 51"/>
-          <p:cNvCxnSpPr/>
-          <p:nvPr/>
-        </p:nvCxnSpPr>
-        <p:spPr>
-          <a:xfrm flipV="1">
-            <a:off x="9761965" y="3679725"/>
-            <a:ext cx="10221" cy="300203"/>
-          </a:xfrm>
-          <a:prstGeom prst="straightConnector1">
-            <a:avLst/>
-          </a:prstGeom>
-          <a:ln>
-            <a:tailEnd type="triangle"/>
-          </a:ln>
-        </p:spPr>
-        <p:style>
-          <a:lnRef idx="1">
-            <a:schemeClr val="dk1"/>
-          </a:lnRef>
-          <a:fillRef idx="0">
-            <a:schemeClr val="dk1"/>
-          </a:fillRef>
-          <a:effectRef idx="0">
-            <a:schemeClr val="dk1"/>
-          </a:effectRef>
-          <a:fontRef idx="minor">
-            <a:schemeClr val="tx1"/>
-          </a:fontRef>
-        </p:style>
-      </p:cxnSp>
-      <p:cxnSp>
-        <p:nvCxnSpPr>
-          <p:cNvPr id="58" name="Straight Arrow Connector 57"/>
-          <p:cNvCxnSpPr/>
-          <p:nvPr/>
-        </p:nvCxnSpPr>
-        <p:spPr>
-          <a:xfrm>
-            <a:off x="4783872" y="3497855"/>
-            <a:ext cx="2624255" cy="0"/>
-          </a:xfrm>
-          <a:prstGeom prst="straightConnector1">
-            <a:avLst/>
-          </a:prstGeom>
-          <a:ln>
-            <a:headEnd type="triangle"/>
-            <a:tailEnd type="triangle"/>
-          </a:ln>
-        </p:spPr>
-        <p:style>
-          <a:lnRef idx="1">
-            <a:schemeClr val="dk1"/>
-          </a:lnRef>
-          <a:fillRef idx="0">
-            <a:schemeClr val="dk1"/>
-          </a:fillRef>
-          <a:effectRef idx="0">
-            <a:schemeClr val="dk1"/>
-          </a:effectRef>
-          <a:fontRef idx="minor">
-            <a:schemeClr val="tx1"/>
-          </a:fontRef>
-        </p:style>
-      </p:cxnSp>
-      <p:sp>
-        <p:nvSpPr>
-          <p:cNvPr id="59" name="TextBox 58"/>
-          <p:cNvSpPr txBox="1"/>
-          <p:nvPr/>
-        </p:nvSpPr>
-        <p:spPr>
-          <a:xfrm>
-            <a:off x="5333514" y="3552950"/>
-            <a:ext cx="1524969" cy="923330"/>
-          </a:xfrm>
-          <a:prstGeom prst="rect">
-            <a:avLst/>
-          </a:prstGeom>
-          <a:noFill/>
-        </p:spPr>
-        <p:txBody>
-          <a:bodyPr wrap="none" rtlCol="0">
-            <a:spAutoFit/>
-          </a:bodyPr>
-          <a:lstStyle/>
-          <a:p>
-            <a:r>
-              <a:rPr lang="en-US" dirty="0" smtClean="0"/>
-              <a:t>UART </a:t>
-            </a:r>
-            <a:r>
-              <a:rPr lang="en-US" dirty="0" err="1" smtClean="0"/>
-              <a:t>MAVlink</a:t>
-            </a:r>
-            <a:endParaRPr lang="en-US" dirty="0" smtClean="0"/>
-          </a:p>
-          <a:p>
-            <a:r>
-              <a:rPr lang="en-US" dirty="0" smtClean="0"/>
-              <a:t>&gt;250 Hz</a:t>
-            </a:r>
-          </a:p>
-          <a:p>
-            <a:r>
-              <a:rPr lang="en-US" dirty="0" smtClean="0"/>
-              <a:t>&lt; 1 </a:t>
-            </a:r>
-            <a:r>
-              <a:rPr lang="en-US" dirty="0" err="1" smtClean="0"/>
-              <a:t>ms</a:t>
-            </a:r>
-            <a:r>
-              <a:rPr lang="en-US" dirty="0" smtClean="0"/>
-              <a:t> latency</a:t>
-            </a:r>
-            <a:endParaRPr lang="en-US" dirty="0"/>
-          </a:p>
-        </p:txBody>
-      </p:sp>
-      <p:sp>
-        <p:nvSpPr>
-          <p:cNvPr id="3" name="TextBox 2"/>
-          <p:cNvSpPr txBox="1"/>
-          <p:nvPr/>
-        </p:nvSpPr>
-        <p:spPr>
-          <a:xfrm>
-            <a:off x="1369375" y="1852361"/>
-            <a:ext cx="3569119" cy="400110"/>
-          </a:xfrm>
-          <a:prstGeom prst="rect">
-            <a:avLst/>
-          </a:prstGeom>
-          <a:noFill/>
-        </p:spPr>
-        <p:txBody>
-          <a:bodyPr wrap="none" rtlCol="0">
-            <a:spAutoFit/>
-          </a:bodyPr>
-          <a:lstStyle/>
-          <a:p>
-            <a:pPr algn="ctr"/>
-            <a:r>
-              <a:rPr lang="en-US" sz="2000" b="1" dirty="0" smtClean="0"/>
-              <a:t>Embedded Controller (Pixhawk)</a:t>
-            </a:r>
-            <a:endParaRPr lang="en-US" sz="2000" b="1" dirty="0"/>
-          </a:p>
-        </p:txBody>
-      </p:sp>
-      <p:sp>
-        <p:nvSpPr>
-          <p:cNvPr id="41" name="TextBox 40"/>
-          <p:cNvSpPr txBox="1"/>
-          <p:nvPr/>
-        </p:nvSpPr>
-        <p:spPr>
-          <a:xfrm>
-            <a:off x="7461317" y="1849803"/>
-            <a:ext cx="3153492" cy="400110"/>
-          </a:xfrm>
-          <a:prstGeom prst="rect">
-            <a:avLst/>
-          </a:prstGeom>
-          <a:noFill/>
-        </p:spPr>
-        <p:txBody>
-          <a:bodyPr wrap="none" rtlCol="0">
-            <a:spAutoFit/>
-          </a:bodyPr>
-          <a:lstStyle/>
-          <a:p>
-            <a:pPr algn="ctr"/>
-            <a:r>
-              <a:rPr lang="en-US" sz="2000" b="1" dirty="0" smtClean="0"/>
-              <a:t>Linux Companion Computer</a:t>
-            </a:r>
-            <a:endParaRPr lang="en-US" sz="2000" b="1" dirty="0"/>
-          </a:p>
-        </p:txBody>
-      </p:sp>
-      <p:sp>
-        <p:nvSpPr>
-          <p:cNvPr id="38" name="Rectangle 37"/>
-          <p:cNvSpPr/>
-          <p:nvPr/>
-        </p:nvSpPr>
-        <p:spPr>
-          <a:xfrm>
-            <a:off x="7408126" y="5213185"/>
-            <a:ext cx="3259873" cy="276191"/>
-          </a:xfrm>
-          <a:prstGeom prst="rect">
-            <a:avLst/>
-          </a:prstGeom>
-        </p:spPr>
-        <p:style>
-          <a:lnRef idx="1">
-            <a:schemeClr val="accent1"/>
-          </a:lnRef>
-          <a:fillRef idx="2">
-            <a:schemeClr val="accent1"/>
-          </a:fillRef>
-          <a:effectRef idx="1">
-            <a:schemeClr val="accent1"/>
-          </a:effectRef>
-          <a:fontRef idx="minor">
-            <a:schemeClr val="dk1"/>
-          </a:fontRef>
-        </p:style>
-        <p:txBody>
-          <a:bodyPr rtlCol="0" anchor="ctr"/>
-          <a:lstStyle/>
-          <a:p>
-            <a:pPr algn="ctr"/>
-            <a:r>
-              <a:rPr lang="en-US" dirty="0" smtClean="0"/>
-              <a:t>Custom</a:t>
-            </a:r>
-            <a:endParaRPr lang="en-US" dirty="0"/>
-          </a:p>
-        </p:txBody>
-      </p:sp>
-      <p:sp>
-        <p:nvSpPr>
-          <p:cNvPr id="39" name="Rectangle 38"/>
-          <p:cNvSpPr/>
-          <p:nvPr/>
-        </p:nvSpPr>
-        <p:spPr>
-          <a:xfrm>
-            <a:off x="7408125" y="5577917"/>
-            <a:ext cx="3259874" cy="279186"/>
-          </a:xfrm>
-          <a:prstGeom prst="rect">
-            <a:avLst/>
-          </a:prstGeom>
-        </p:spPr>
-        <p:style>
-          <a:lnRef idx="1">
-            <a:schemeClr val="accent2"/>
-          </a:lnRef>
-          <a:fillRef idx="2">
-            <a:schemeClr val="accent2"/>
-          </a:fillRef>
-          <a:effectRef idx="1">
-            <a:schemeClr val="accent2"/>
-          </a:effectRef>
-          <a:fontRef idx="minor">
-            <a:schemeClr val="dk1"/>
-          </a:fontRef>
-        </p:style>
-        <p:txBody>
-          <a:bodyPr rtlCol="0" anchor="ctr"/>
-          <a:lstStyle/>
-          <a:p>
-            <a:pPr algn="ctr"/>
-            <a:r>
-              <a:rPr lang="en-US" dirty="0" smtClean="0"/>
-              <a:t>Modified</a:t>
-            </a:r>
-            <a:endParaRPr lang="en-US" dirty="0"/>
-          </a:p>
-        </p:txBody>
-      </p:sp>
-      <p:sp>
-        <p:nvSpPr>
-          <p:cNvPr id="42" name="Rectangle 41"/>
-          <p:cNvSpPr/>
-          <p:nvPr/>
-        </p:nvSpPr>
-        <p:spPr>
-          <a:xfrm>
-            <a:off x="7408125" y="5966707"/>
-            <a:ext cx="3259874" cy="279186"/>
-          </a:xfrm>
-          <a:prstGeom prst="rect">
-            <a:avLst/>
-          </a:prstGeom>
-        </p:spPr>
-        <p:style>
-          <a:lnRef idx="1">
-            <a:schemeClr val="accent6"/>
-          </a:lnRef>
-          <a:fillRef idx="2">
-            <a:schemeClr val="accent6"/>
-          </a:fillRef>
-          <a:effectRef idx="1">
-            <a:schemeClr val="accent6"/>
-          </a:effectRef>
-          <a:fontRef idx="minor">
-            <a:schemeClr val="dk1"/>
-          </a:fontRef>
-        </p:style>
-        <p:txBody>
-          <a:bodyPr rtlCol="0" anchor="ctr"/>
-          <a:lstStyle/>
-          <a:p>
-            <a:pPr algn="ctr"/>
-            <a:r>
-              <a:rPr lang="en-US" dirty="0" smtClean="0"/>
-              <a:t>Preexisting</a:t>
-            </a:r>
-            <a:endParaRPr lang="en-US" dirty="0"/>
-          </a:p>
-        </p:txBody>
-      </p:sp>
     </p:spTree>
     <p:extLst>
       <p:ext uri="{BB962C8B-B14F-4D97-AF65-F5344CB8AC3E}">
-        <p14:creationId xmlns:p14="http://schemas.microsoft.com/office/powerpoint/2010/main" val="3695361314"/>
+        <p14:creationId xmlns:p14="http://schemas.microsoft.com/office/powerpoint/2010/main" val="3187542956"/>
       </p:ext>
     </p:extLst>
   </p:cSld>

--- a/Presentations/Mid Semester Review/Individual_Slides/Bryce/Presentation1.pptx
+++ b/Presentations/Mid Semester Review/Individual_Slides/Bryce/Presentation1.pptx
@@ -5,15 +5,16 @@
     <p:sldMasterId id="2147483648" r:id="rId1"/>
   </p:sldMasterIdLst>
   <p:notesMasterIdLst>
-    <p:notesMasterId r:id="rId8"/>
+    <p:notesMasterId r:id="rId9"/>
   </p:notesMasterIdLst>
   <p:sldIdLst>
     <p:sldId id="257" r:id="rId2"/>
     <p:sldId id="262" r:id="rId3"/>
-    <p:sldId id="261" r:id="rId4"/>
-    <p:sldId id="263" r:id="rId5"/>
-    <p:sldId id="259" r:id="rId6"/>
-    <p:sldId id="260" r:id="rId7"/>
+    <p:sldId id="264" r:id="rId4"/>
+    <p:sldId id="261" r:id="rId5"/>
+    <p:sldId id="263" r:id="rId6"/>
+    <p:sldId id="259" r:id="rId7"/>
+    <p:sldId id="260" r:id="rId8"/>
   </p:sldIdLst>
   <p:sldSz cx="12192000" cy="6858000"/>
   <p:notesSz cx="6858000" cy="9144000"/>
@@ -202,7 +203,7 @@
           <a:p>
             <a:fld id="{689A0FB4-FDA9-46ED-9C63-6E414CA4641F}" type="datetimeFigureOut">
               <a:rPr lang="en-US" smtClean="0"/>
-              <a:t>10/14/2015</a:t>
+              <a:t>10/17/2015</a:t>
             </a:fld>
             <a:endParaRPr lang="en-US"/>
           </a:p>
@@ -516,6 +517,198 @@
           <a:p>
             <a:r>
               <a:rPr lang="en-US" dirty="0" smtClean="0"/>
+              <a:t>Basic flight environment</a:t>
+            </a:r>
+            <a:r>
+              <a:rPr lang="en-US" baseline="0" dirty="0" smtClean="0"/>
+              <a:t> description</a:t>
+            </a:r>
+            <a:endParaRPr lang="en-US" dirty="0"/>
+          </a:p>
+        </p:txBody>
+      </p:sp>
+      <p:sp>
+        <p:nvSpPr>
+          <p:cNvPr id="4" name="Slide Number Placeholder 3"/>
+          <p:cNvSpPr>
+            <a:spLocks noGrp="1"/>
+          </p:cNvSpPr>
+          <p:nvPr>
+            <p:ph type="sldNum" sz="quarter" idx="10"/>
+          </p:nvPr>
+        </p:nvSpPr>
+        <p:spPr/>
+        <p:txBody>
+          <a:bodyPr/>
+          <a:lstStyle/>
+          <a:p>
+            <a:fld id="{B89A0F6F-B7DB-459E-A676-E3362ECCE354}" type="slidenum">
+              <a:rPr lang="en-US" smtClean="0"/>
+              <a:t>2</a:t>
+            </a:fld>
+            <a:endParaRPr lang="en-US"/>
+          </a:p>
+        </p:txBody>
+      </p:sp>
+    </p:spTree>
+    <p:extLst>
+      <p:ext uri="{BB962C8B-B14F-4D97-AF65-F5344CB8AC3E}">
+        <p14:creationId xmlns:p14="http://schemas.microsoft.com/office/powerpoint/2010/main" val="3828167849"/>
+      </p:ext>
+    </p:extLst>
+  </p:cSld>
+  <p:clrMapOvr>
+    <a:masterClrMapping/>
+  </p:clrMapOvr>
+</p:notes>
+</file>
+
+<file path=ppt/notesSlides/notesSlide2.xml><?xml version="1.0" encoding="utf-8"?>
+<p:notes xmlns:a="http://schemas.openxmlformats.org/drawingml/2006/main" xmlns:r="http://schemas.openxmlformats.org/officeDocument/2006/relationships" xmlns:p="http://schemas.openxmlformats.org/presentationml/2006/main">
+  <p:cSld>
+    <p:spTree>
+      <p:nvGrpSpPr>
+        <p:cNvPr id="1" name=""/>
+        <p:cNvGrpSpPr/>
+        <p:nvPr/>
+      </p:nvGrpSpPr>
+      <p:grpSpPr>
+        <a:xfrm>
+          <a:off x="0" y="0"/>
+          <a:ext cx="0" cy="0"/>
+          <a:chOff x="0" y="0"/>
+          <a:chExt cx="0" cy="0"/>
+        </a:xfrm>
+      </p:grpSpPr>
+      <p:sp>
+        <p:nvSpPr>
+          <p:cNvPr id="2" name="Slide Image Placeholder 1"/>
+          <p:cNvSpPr>
+            <a:spLocks noGrp="1" noRot="1" noChangeAspect="1"/>
+          </p:cNvSpPr>
+          <p:nvPr>
+            <p:ph type="sldImg"/>
+          </p:nvPr>
+        </p:nvSpPr>
+        <p:spPr/>
+      </p:sp>
+      <p:sp>
+        <p:nvSpPr>
+          <p:cNvPr id="3" name="Notes Placeholder 2"/>
+          <p:cNvSpPr>
+            <a:spLocks noGrp="1"/>
+          </p:cNvSpPr>
+          <p:nvPr>
+            <p:ph type="body" idx="1"/>
+          </p:nvPr>
+        </p:nvSpPr>
+        <p:spPr/>
+        <p:txBody>
+          <a:bodyPr/>
+          <a:lstStyle/>
+          <a:p>
+            <a:r>
+              <a:rPr lang="en-US" dirty="0" smtClean="0"/>
+              <a:t>Need to dedicate</a:t>
+            </a:r>
+            <a:r>
+              <a:rPr lang="en-US" baseline="0" dirty="0" smtClean="0"/>
+              <a:t> significant amount of time to systems level tasks </a:t>
+            </a:r>
+            <a:r>
+              <a:rPr lang="en-US" baseline="0" dirty="0" err="1" smtClean="0"/>
+              <a:t>i.e</a:t>
+            </a:r>
+            <a:r>
+              <a:rPr lang="en-US" baseline="0" dirty="0" smtClean="0"/>
+              <a:t> leave low level controllers alone if possible</a:t>
+            </a:r>
+            <a:endParaRPr lang="en-US" dirty="0"/>
+          </a:p>
+        </p:txBody>
+      </p:sp>
+      <p:sp>
+        <p:nvSpPr>
+          <p:cNvPr id="4" name="Slide Number Placeholder 3"/>
+          <p:cNvSpPr>
+            <a:spLocks noGrp="1"/>
+          </p:cNvSpPr>
+          <p:nvPr>
+            <p:ph type="sldNum" sz="quarter" idx="10"/>
+          </p:nvPr>
+        </p:nvSpPr>
+        <p:spPr/>
+        <p:txBody>
+          <a:bodyPr/>
+          <a:lstStyle/>
+          <a:p>
+            <a:fld id="{B89A0F6F-B7DB-459E-A676-E3362ECCE354}" type="slidenum">
+              <a:rPr lang="en-US" smtClean="0"/>
+              <a:t>3</a:t>
+            </a:fld>
+            <a:endParaRPr lang="en-US"/>
+          </a:p>
+        </p:txBody>
+      </p:sp>
+    </p:spTree>
+    <p:extLst>
+      <p:ext uri="{BB962C8B-B14F-4D97-AF65-F5344CB8AC3E}">
+        <p14:creationId xmlns:p14="http://schemas.microsoft.com/office/powerpoint/2010/main" val="1776150675"/>
+      </p:ext>
+    </p:extLst>
+  </p:cSld>
+  <p:clrMapOvr>
+    <a:masterClrMapping/>
+  </p:clrMapOvr>
+</p:notes>
+</file>
+
+<file path=ppt/notesSlides/notesSlide3.xml><?xml version="1.0" encoding="utf-8"?>
+<p:notes xmlns:a="http://schemas.openxmlformats.org/drawingml/2006/main" xmlns:r="http://schemas.openxmlformats.org/officeDocument/2006/relationships" xmlns:p="http://schemas.openxmlformats.org/presentationml/2006/main">
+  <p:cSld>
+    <p:spTree>
+      <p:nvGrpSpPr>
+        <p:cNvPr id="1" name=""/>
+        <p:cNvGrpSpPr/>
+        <p:nvPr/>
+      </p:nvGrpSpPr>
+      <p:grpSpPr>
+        <a:xfrm>
+          <a:off x="0" y="0"/>
+          <a:ext cx="0" cy="0"/>
+          <a:chOff x="0" y="0"/>
+          <a:chExt cx="0" cy="0"/>
+        </a:xfrm>
+      </p:grpSpPr>
+      <p:sp>
+        <p:nvSpPr>
+          <p:cNvPr id="2" name="Slide Image Placeholder 1"/>
+          <p:cNvSpPr>
+            <a:spLocks noGrp="1" noRot="1" noChangeAspect="1"/>
+          </p:cNvSpPr>
+          <p:nvPr>
+            <p:ph type="sldImg"/>
+          </p:nvPr>
+        </p:nvSpPr>
+        <p:spPr/>
+      </p:sp>
+      <p:sp>
+        <p:nvSpPr>
+          <p:cNvPr id="3" name="Notes Placeholder 2"/>
+          <p:cNvSpPr>
+            <a:spLocks noGrp="1"/>
+          </p:cNvSpPr>
+          <p:nvPr>
+            <p:ph type="body" idx="1"/>
+          </p:nvPr>
+        </p:nvSpPr>
+        <p:spPr/>
+        <p:txBody>
+          <a:bodyPr/>
+          <a:lstStyle/>
+          <a:p>
+            <a:r>
+              <a:rPr lang="en-US" dirty="0" smtClean="0"/>
               <a:t>Replace </a:t>
             </a:r>
             <a:r>
@@ -551,7 +744,7 @@
           <a:p>
             <a:fld id="{2E035394-18F9-4A42-AA4E-2D8B01D1E2BD}" type="slidenum">
               <a:rPr lang="en-US" smtClean="0"/>
-              <a:t>4</a:t>
+              <a:t>5</a:t>
             </a:fld>
             <a:endParaRPr lang="en-US"/>
           </a:p>
@@ -701,7 +894,7 @@
           <a:p>
             <a:fld id="{946BFFEE-E430-4285-83C2-BFACCD535C9C}" type="datetimeFigureOut">
               <a:rPr lang="en-US" smtClean="0"/>
-              <a:t>10/14/2015</a:t>
+              <a:t>10/17/2015</a:t>
             </a:fld>
             <a:endParaRPr lang="en-US"/>
           </a:p>
@@ -871,7 +1064,7 @@
           <a:p>
             <a:fld id="{946BFFEE-E430-4285-83C2-BFACCD535C9C}" type="datetimeFigureOut">
               <a:rPr lang="en-US" smtClean="0"/>
-              <a:t>10/14/2015</a:t>
+              <a:t>10/17/2015</a:t>
             </a:fld>
             <a:endParaRPr lang="en-US"/>
           </a:p>
@@ -1051,7 +1244,7 @@
           <a:p>
             <a:fld id="{946BFFEE-E430-4285-83C2-BFACCD535C9C}" type="datetimeFigureOut">
               <a:rPr lang="en-US" smtClean="0"/>
-              <a:t>10/14/2015</a:t>
+              <a:t>10/17/2015</a:t>
             </a:fld>
             <a:endParaRPr lang="en-US"/>
           </a:p>
@@ -1221,7 +1414,7 @@
           <a:p>
             <a:fld id="{946BFFEE-E430-4285-83C2-BFACCD535C9C}" type="datetimeFigureOut">
               <a:rPr lang="en-US" smtClean="0"/>
-              <a:t>10/14/2015</a:t>
+              <a:t>10/17/2015</a:t>
             </a:fld>
             <a:endParaRPr lang="en-US"/>
           </a:p>
@@ -1467,7 +1660,7 @@
           <a:p>
             <a:fld id="{946BFFEE-E430-4285-83C2-BFACCD535C9C}" type="datetimeFigureOut">
               <a:rPr lang="en-US" smtClean="0"/>
-              <a:t>10/14/2015</a:t>
+              <a:t>10/17/2015</a:t>
             </a:fld>
             <a:endParaRPr lang="en-US"/>
           </a:p>
@@ -1699,7 +1892,7 @@
           <a:p>
             <a:fld id="{946BFFEE-E430-4285-83C2-BFACCD535C9C}" type="datetimeFigureOut">
               <a:rPr lang="en-US" smtClean="0"/>
-              <a:t>10/14/2015</a:t>
+              <a:t>10/17/2015</a:t>
             </a:fld>
             <a:endParaRPr lang="en-US"/>
           </a:p>
@@ -2066,7 +2259,7 @@
           <a:p>
             <a:fld id="{946BFFEE-E430-4285-83C2-BFACCD535C9C}" type="datetimeFigureOut">
               <a:rPr lang="en-US" smtClean="0"/>
-              <a:t>10/14/2015</a:t>
+              <a:t>10/17/2015</a:t>
             </a:fld>
             <a:endParaRPr lang="en-US"/>
           </a:p>
@@ -2184,7 +2377,7 @@
           <a:p>
             <a:fld id="{946BFFEE-E430-4285-83C2-BFACCD535C9C}" type="datetimeFigureOut">
               <a:rPr lang="en-US" smtClean="0"/>
-              <a:t>10/14/2015</a:t>
+              <a:t>10/17/2015</a:t>
             </a:fld>
             <a:endParaRPr lang="en-US"/>
           </a:p>
@@ -2279,7 +2472,7 @@
           <a:p>
             <a:fld id="{946BFFEE-E430-4285-83C2-BFACCD535C9C}" type="datetimeFigureOut">
               <a:rPr lang="en-US" smtClean="0"/>
-              <a:t>10/14/2015</a:t>
+              <a:t>10/17/2015</a:t>
             </a:fld>
             <a:endParaRPr lang="en-US"/>
           </a:p>
@@ -2556,7 +2749,7 @@
           <a:p>
             <a:fld id="{946BFFEE-E430-4285-83C2-BFACCD535C9C}" type="datetimeFigureOut">
               <a:rPr lang="en-US" smtClean="0"/>
-              <a:t>10/14/2015</a:t>
+              <a:t>10/17/2015</a:t>
             </a:fld>
             <a:endParaRPr lang="en-US"/>
           </a:p>
@@ -2809,7 +3002,7 @@
           <a:p>
             <a:fld id="{946BFFEE-E430-4285-83C2-BFACCD535C9C}" type="datetimeFigureOut">
               <a:rPr lang="en-US" smtClean="0"/>
-              <a:t>10/14/2015</a:t>
+              <a:t>10/17/2015</a:t>
             </a:fld>
             <a:endParaRPr lang="en-US"/>
           </a:p>
@@ -3022,7 +3215,7 @@
           <a:p>
             <a:fld id="{946BFFEE-E430-4285-83C2-BFACCD535C9C}" type="datetimeFigureOut">
               <a:rPr lang="en-US" smtClean="0"/>
-              <a:t>10/14/2015</a:t>
+              <a:t>10/17/2015</a:t>
             </a:fld>
             <a:endParaRPr lang="en-US"/>
           </a:p>
@@ -3734,7 +3927,7 @@
             <p:nvPr/>
           </p:nvPicPr>
           <p:blipFill>
-            <a:blip r:embed="rId2" cstate="print">
+            <a:blip r:embed="rId3" cstate="print">
               <a:extLst>
                 <a:ext uri="{28A0092B-C50C-407E-A947-70E740481C1C}">
                   <a14:useLocalDpi xmlns:a14="http://schemas.microsoft.com/office/drawing/2010/main" val="0"/>
@@ -3811,7 +4004,7 @@
             <p:nvPr/>
           </p:nvPicPr>
           <p:blipFill>
-            <a:blip r:embed="rId3"/>
+            <a:blip r:embed="rId4"/>
             <a:stretch>
               <a:fillRect/>
             </a:stretch>
@@ -3936,6 +4129,38 @@
           <a:bodyPr/>
           <a:lstStyle/>
           <a:p>
+            <a:pPr marL="0" indent="0">
+              <a:buNone/>
+            </a:pPr>
+            <a:r>
+              <a:rPr lang="en-US" dirty="0" err="1" smtClean="0"/>
+              <a:t>Req</a:t>
+            </a:r>
+            <a:r>
+              <a:rPr lang="en-US" dirty="0" smtClean="0"/>
+              <a:t> 1: The system shall perform a search for targets in and unknown environment</a:t>
+            </a:r>
+          </a:p>
+          <a:p>
+            <a:pPr marL="0" indent="0">
+              <a:buNone/>
+            </a:pPr>
+            <a:r>
+              <a:rPr lang="en-US" dirty="0" err="1" smtClean="0"/>
+              <a:t>Req</a:t>
+            </a:r>
+            <a:r>
+              <a:rPr lang="en-US" dirty="0" smtClean="0"/>
+              <a:t> 9: The system shall operate in various </a:t>
+            </a:r>
+            <a:r>
+              <a:rPr lang="en-US" i="1" dirty="0" smtClean="0"/>
+              <a:t>indoor </a:t>
+            </a:r>
+            <a:r>
+              <a:rPr lang="en-US" dirty="0" smtClean="0"/>
+              <a:t>lighting conditions </a:t>
+            </a:r>
             <a:endParaRPr lang="en-US" dirty="0"/>
           </a:p>
         </p:txBody>
@@ -3954,6 +4179,328 @@
 </file>
 
 <file path=ppt/slides/slide3.xml><?xml version="1.0" encoding="utf-8"?>
+<p:sld xmlns:a="http://schemas.openxmlformats.org/drawingml/2006/main" xmlns:r="http://schemas.openxmlformats.org/officeDocument/2006/relationships" xmlns:p="http://schemas.openxmlformats.org/presentationml/2006/main">
+  <p:cSld>
+    <p:spTree>
+      <p:nvGrpSpPr>
+        <p:cNvPr id="1" name=""/>
+        <p:cNvGrpSpPr/>
+        <p:nvPr/>
+      </p:nvGrpSpPr>
+      <p:grpSpPr>
+        <a:xfrm>
+          <a:off x="0" y="0"/>
+          <a:ext cx="0" cy="0"/>
+          <a:chOff x="0" y="0"/>
+          <a:chExt cx="0" cy="0"/>
+        </a:xfrm>
+      </p:grpSpPr>
+      <p:grpSp>
+        <p:nvGrpSpPr>
+          <p:cNvPr id="4" name="Group 3"/>
+          <p:cNvGrpSpPr/>
+          <p:nvPr/>
+        </p:nvGrpSpPr>
+        <p:grpSpPr>
+          <a:xfrm>
+            <a:off x="1524000" y="1"/>
+            <a:ext cx="9144000" cy="844012"/>
+            <a:chOff x="0" y="1"/>
+            <a:chExt cx="9144000" cy="844012"/>
+          </a:xfrm>
+        </p:grpSpPr>
+        <p:cxnSp>
+          <p:nvCxnSpPr>
+            <p:cNvPr id="5" name="Straight Connector 4"/>
+            <p:cNvCxnSpPr/>
+            <p:nvPr/>
+          </p:nvCxnSpPr>
+          <p:spPr>
+            <a:xfrm>
+              <a:off x="0" y="844013"/>
+              <a:ext cx="9144000" cy="0"/>
+            </a:xfrm>
+            <a:prstGeom prst="line">
+              <a:avLst/>
+            </a:prstGeom>
+            <a:ln>
+              <a:solidFill>
+                <a:schemeClr val="tx1"/>
+              </a:solidFill>
+            </a:ln>
+            <a:effectLst/>
+          </p:spPr>
+          <p:style>
+            <a:lnRef idx="2">
+              <a:schemeClr val="accent1"/>
+            </a:lnRef>
+            <a:fillRef idx="0">
+              <a:schemeClr val="accent1"/>
+            </a:fillRef>
+            <a:effectRef idx="1">
+              <a:schemeClr val="accent1"/>
+            </a:effectRef>
+            <a:fontRef idx="minor">
+              <a:schemeClr val="tx1"/>
+            </a:fontRef>
+          </p:style>
+        </p:cxnSp>
+        <p:pic>
+          <p:nvPicPr>
+            <p:cNvPr id="6" name="Picture 5" descr="Screen Shot 2015-10-11 at 11.16.20 AM.png"/>
+            <p:cNvPicPr>
+              <a:picLocks noChangeAspect="1"/>
+            </p:cNvPicPr>
+            <p:nvPr/>
+          </p:nvPicPr>
+          <p:blipFill>
+            <a:blip r:embed="rId3" cstate="print">
+              <a:extLst>
+                <a:ext uri="{28A0092B-C50C-407E-A947-70E740481C1C}">
+                  <a14:useLocalDpi xmlns:a14="http://schemas.microsoft.com/office/drawing/2010/main" val="0"/>
+                </a:ext>
+              </a:extLst>
+            </a:blip>
+            <a:stretch>
+              <a:fillRect/>
+            </a:stretch>
+          </p:blipFill>
+          <p:spPr>
+            <a:xfrm>
+              <a:off x="0" y="1"/>
+              <a:ext cx="1151748" cy="844012"/>
+            </a:xfrm>
+            <a:prstGeom prst="rect">
+              <a:avLst/>
+            </a:prstGeom>
+          </p:spPr>
+        </p:pic>
+        <p:sp>
+          <p:nvSpPr>
+            <p:cNvPr id="7" name="Rectangle 6"/>
+            <p:cNvSpPr/>
+            <p:nvPr/>
+          </p:nvSpPr>
+          <p:spPr>
+            <a:xfrm>
+              <a:off x="1151748" y="2283"/>
+              <a:ext cx="7992252" cy="832104"/>
+            </a:xfrm>
+            <a:prstGeom prst="rect">
+              <a:avLst/>
+            </a:prstGeom>
+            <a:solidFill>
+              <a:schemeClr val="tx1"/>
+            </a:solidFill>
+            <a:ln>
+              <a:solidFill>
+                <a:schemeClr val="tx1"/>
+              </a:solidFill>
+            </a:ln>
+            <a:effectLst/>
+          </p:spPr>
+          <p:style>
+            <a:lnRef idx="1">
+              <a:schemeClr val="accent1"/>
+            </a:lnRef>
+            <a:fillRef idx="3">
+              <a:schemeClr val="accent1"/>
+            </a:fillRef>
+            <a:effectRef idx="2">
+              <a:schemeClr val="accent1"/>
+            </a:effectRef>
+            <a:fontRef idx="minor">
+              <a:schemeClr val="lt1"/>
+            </a:fontRef>
+          </p:style>
+          <p:txBody>
+            <a:bodyPr rtlCol="0" anchor="ctr"/>
+            <a:lstStyle/>
+            <a:p>
+              <a:pPr algn="ctr"/>
+              <a:endParaRPr lang="en-US"/>
+            </a:p>
+          </p:txBody>
+        </p:sp>
+        <p:pic>
+          <p:nvPicPr>
+            <p:cNvPr id="8" name="Picture 7"/>
+            <p:cNvPicPr>
+              <a:picLocks noChangeAspect="1"/>
+            </p:cNvPicPr>
+            <p:nvPr/>
+          </p:nvPicPr>
+          <p:blipFill>
+            <a:blip r:embed="rId4"/>
+            <a:stretch>
+              <a:fillRect/>
+            </a:stretch>
+          </p:blipFill>
+          <p:spPr>
+            <a:xfrm>
+              <a:off x="8311013" y="2283"/>
+              <a:ext cx="832987" cy="832987"/>
+            </a:xfrm>
+            <a:prstGeom prst="rect">
+              <a:avLst/>
+            </a:prstGeom>
+          </p:spPr>
+        </p:pic>
+        <p:sp>
+          <p:nvSpPr>
+            <p:cNvPr id="9" name="TextBox 8"/>
+            <p:cNvSpPr txBox="1"/>
+            <p:nvPr/>
+          </p:nvSpPr>
+          <p:spPr>
+            <a:xfrm>
+              <a:off x="1202040" y="188621"/>
+              <a:ext cx="6983237" cy="461665"/>
+            </a:xfrm>
+            <a:prstGeom prst="rect">
+              <a:avLst/>
+            </a:prstGeom>
+            <a:noFill/>
+          </p:spPr>
+          <p:txBody>
+            <a:bodyPr wrap="square" rtlCol="0">
+              <a:spAutoFit/>
+            </a:bodyPr>
+            <a:lstStyle/>
+            <a:p>
+              <a:pPr algn="ctr"/>
+              <a:r>
+                <a:rPr lang="en-US" sz="2400" dirty="0" err="1">
+                  <a:solidFill>
+                    <a:srgbClr val="FFFFFF"/>
+                  </a:solidFill>
+                  <a:latin typeface="Candara"/>
+                  <a:cs typeface="Candara"/>
+                </a:rPr>
+                <a:t>FlyNet</a:t>
+              </a:r>
+              <a:r>
+                <a:rPr lang="en-US" sz="2400" dirty="0">
+                  <a:solidFill>
+                    <a:srgbClr val="FFFFFF"/>
+                  </a:solidFill>
+                  <a:latin typeface="Candara"/>
+                  <a:cs typeface="Candara"/>
+                </a:rPr>
+                <a:t>: Autonomous </a:t>
+              </a:r>
+              <a:r>
+                <a:rPr lang="en-US" sz="2400" dirty="0" err="1">
+                  <a:solidFill>
+                    <a:srgbClr val="FFFFFF"/>
+                  </a:solidFill>
+                  <a:latin typeface="Candara"/>
+                  <a:cs typeface="Candara"/>
+                </a:rPr>
+                <a:t>Quadcopter</a:t>
+              </a:r>
+              <a:r>
+                <a:rPr lang="en-US" sz="2400" dirty="0">
+                  <a:solidFill>
+                    <a:srgbClr val="FFFFFF"/>
+                  </a:solidFill>
+                  <a:latin typeface="Candara"/>
+                  <a:cs typeface="Candara"/>
+                </a:rPr>
+                <a:t> Search and Rescue</a:t>
+              </a:r>
+            </a:p>
+          </p:txBody>
+        </p:sp>
+      </p:grpSp>
+      <p:sp>
+        <p:nvSpPr>
+          <p:cNvPr id="2" name="Title 1"/>
+          <p:cNvSpPr>
+            <a:spLocks noGrp="1"/>
+          </p:cNvSpPr>
+          <p:nvPr>
+            <p:ph type="title"/>
+          </p:nvPr>
+        </p:nvSpPr>
+        <p:spPr>
+          <a:xfrm>
+            <a:off x="838200" y="834387"/>
+            <a:ext cx="10515600" cy="856301"/>
+          </a:xfrm>
+        </p:spPr>
+        <p:txBody>
+          <a:bodyPr/>
+          <a:lstStyle/>
+          <a:p>
+            <a:r>
+              <a:rPr lang="en-US" dirty="0" smtClean="0"/>
+              <a:t>System Interface	</a:t>
+            </a:r>
+            <a:endParaRPr lang="en-US" dirty="0"/>
+          </a:p>
+        </p:txBody>
+      </p:sp>
+      <p:sp>
+        <p:nvSpPr>
+          <p:cNvPr id="3" name="Content Placeholder 2"/>
+          <p:cNvSpPr>
+            <a:spLocks noGrp="1"/>
+          </p:cNvSpPr>
+          <p:nvPr>
+            <p:ph idx="1"/>
+          </p:nvPr>
+        </p:nvSpPr>
+        <p:spPr/>
+        <p:txBody>
+          <a:bodyPr/>
+          <a:lstStyle/>
+          <a:p>
+            <a:r>
+              <a:rPr lang="en-US" dirty="0" smtClean="0"/>
+              <a:t>Linux companion computer</a:t>
+            </a:r>
+          </a:p>
+          <a:p>
+            <a:pPr lvl="1"/>
+            <a:r>
+              <a:rPr lang="en-US" dirty="0" smtClean="0"/>
+              <a:t>Path planner</a:t>
+            </a:r>
+          </a:p>
+          <a:p>
+            <a:pPr lvl="1"/>
+            <a:r>
+              <a:rPr lang="en-US" dirty="0" smtClean="0"/>
+              <a:t>Obstacle avoidance</a:t>
+            </a:r>
+          </a:p>
+          <a:p>
+            <a:pPr marL="457200" lvl="1" indent="0">
+              <a:buNone/>
+            </a:pPr>
+            <a:r>
+              <a:rPr lang="en-US" dirty="0" smtClean="0"/>
+              <a:t> </a:t>
+            </a:r>
+            <a:endParaRPr lang="en-US" dirty="0"/>
+          </a:p>
+        </p:txBody>
+      </p:sp>
+    </p:spTree>
+    <p:extLst>
+      <p:ext uri="{BB962C8B-B14F-4D97-AF65-F5344CB8AC3E}">
+        <p14:creationId xmlns:p14="http://schemas.microsoft.com/office/powerpoint/2010/main" val="4003851994"/>
+      </p:ext>
+    </p:extLst>
+  </p:cSld>
+  <p:clrMapOvr>
+    <a:masterClrMapping/>
+  </p:clrMapOvr>
+</p:sld>
+</file>
+
+<file path=ppt/slides/slide4.xml><?xml version="1.0" encoding="utf-8"?>
 <p:sld xmlns:a="http://schemas.openxmlformats.org/drawingml/2006/main" xmlns:r="http://schemas.openxmlformats.org/officeDocument/2006/relationships" xmlns:p="http://schemas.openxmlformats.org/presentationml/2006/main">
   <p:cSld>
     <p:spTree>
@@ -4308,7 +4855,7 @@
 </p:sld>
 </file>
 
-<file path=ppt/slides/slide4.xml><?xml version="1.0" encoding="utf-8"?>
+<file path=ppt/slides/slide5.xml><?xml version="1.0" encoding="utf-8"?>
 <p:sld xmlns:a="http://schemas.openxmlformats.org/drawingml/2006/main" xmlns:r="http://schemas.openxmlformats.org/officeDocument/2006/relationships" xmlns:p="http://schemas.openxmlformats.org/presentationml/2006/main">
   <p:cSld>
     <p:spTree>
@@ -4576,13 +5123,11 @@
       </p:sp>
       <p:pic>
         <p:nvPicPr>
-          <p:cNvPr id="10" name="Content Placeholder 9"/>
+          <p:cNvPr id="3" name="Picture 2"/>
           <p:cNvPicPr>
-            <a:picLocks noGrp="1" noChangeAspect="1"/>
+            <a:picLocks noChangeAspect="1"/>
           </p:cNvPicPr>
-          <p:nvPr>
-            <p:ph idx="1"/>
-          </p:nvPr>
+          <p:nvPr/>
         </p:nvPicPr>
         <p:blipFill>
           <a:blip r:embed="rId5">
@@ -4598,9 +5143,12 @@
         </p:blipFill>
         <p:spPr>
           <a:xfrm>
-            <a:off x="2443163" y="1620045"/>
-            <a:ext cx="7305675" cy="4486275"/>
-          </a:xfrm>
+            <a:off x="2404515" y="1494298"/>
+            <a:ext cx="7304762" cy="4485714"/>
+          </a:xfrm>
+          <a:prstGeom prst="rect">
+            <a:avLst/>
+          </a:prstGeom>
         </p:spPr>
       </p:pic>
     </p:spTree>
@@ -4616,7 +5164,7 @@
 </p:sld>
 </file>
 
-<file path=ppt/slides/slide5.xml><?xml version="1.0" encoding="utf-8"?>
+<file path=ppt/slides/slide6.xml><?xml version="1.0" encoding="utf-8"?>
 <p:sld xmlns:a="http://schemas.openxmlformats.org/drawingml/2006/main" xmlns:r="http://schemas.openxmlformats.org/officeDocument/2006/relationships" xmlns:p="http://schemas.openxmlformats.org/presentationml/2006/main">
   <p:cSld>
     <p:spTree>
@@ -6007,7 +6555,7 @@
 </p:sld>
 </file>
 
-<file path=ppt/slides/slide6.xml><?xml version="1.0" encoding="utf-8"?>
+<file path=ppt/slides/slide7.xml><?xml version="1.0" encoding="utf-8"?>
 <p:sld xmlns:a="http://schemas.openxmlformats.org/drawingml/2006/main" xmlns:r="http://schemas.openxmlformats.org/officeDocument/2006/relationships" xmlns:p="http://schemas.openxmlformats.org/presentationml/2006/main">
   <p:cSld>
     <p:spTree>
@@ -6258,14 +6806,14 @@
           </a:prstGeom>
         </p:spPr>
         <p:style>
-          <a:lnRef idx="2">
-            <a:schemeClr val="dk1"/>
+          <a:lnRef idx="1">
+            <a:schemeClr val="accent1"/>
           </a:lnRef>
-          <a:fillRef idx="1">
-            <a:schemeClr val="lt1"/>
+          <a:fillRef idx="2">
+            <a:schemeClr val="accent1"/>
           </a:fillRef>
-          <a:effectRef idx="0">
-            <a:schemeClr val="dk1"/>
+          <a:effectRef idx="1">
+            <a:schemeClr val="accent1"/>
           </a:effectRef>
           <a:fontRef idx="minor">
             <a:schemeClr val="dk1"/>
@@ -6300,14 +6848,14 @@
           </a:prstGeom>
         </p:spPr>
         <p:style>
-          <a:lnRef idx="2">
-            <a:schemeClr val="dk1"/>
+          <a:lnRef idx="1">
+            <a:schemeClr val="accent1"/>
           </a:lnRef>
-          <a:fillRef idx="1">
-            <a:schemeClr val="lt1"/>
+          <a:fillRef idx="2">
+            <a:schemeClr val="accent1"/>
           </a:fillRef>
-          <a:effectRef idx="0">
-            <a:schemeClr val="dk1"/>
+          <a:effectRef idx="1">
+            <a:schemeClr val="accent1"/>
           </a:effectRef>
           <a:fontRef idx="minor">
             <a:schemeClr val="dk1"/>
@@ -6378,14 +6926,14 @@
           </a:prstGeom>
         </p:spPr>
         <p:style>
-          <a:lnRef idx="2">
-            <a:schemeClr val="dk1"/>
+          <a:lnRef idx="1">
+            <a:schemeClr val="accent6"/>
           </a:lnRef>
-          <a:fillRef idx="1">
-            <a:schemeClr val="lt1"/>
+          <a:fillRef idx="2">
+            <a:schemeClr val="accent6"/>
           </a:fillRef>
-          <a:effectRef idx="0">
-            <a:schemeClr val="dk1"/>
+          <a:effectRef idx="1">
+            <a:schemeClr val="accent6"/>
           </a:effectRef>
           <a:fontRef idx="minor">
             <a:schemeClr val="dk1"/>
@@ -6399,6 +6947,13 @@
             <a:r>
               <a:rPr lang="en-US" dirty="0" smtClean="0"/>
               <a:t>Position</a:t>
+            </a:r>
+          </a:p>
+          <a:p>
+            <a:pPr algn="ctr"/>
+            <a:r>
+              <a:rPr lang="en-US" dirty="0" smtClean="0"/>
+              <a:t>Set point</a:t>
             </a:r>
             <a:endParaRPr lang="en-US" dirty="0"/>
           </a:p>
@@ -6420,14 +6975,14 @@
           </a:prstGeom>
         </p:spPr>
         <p:style>
-          <a:lnRef idx="2">
-            <a:schemeClr val="dk1"/>
+          <a:lnRef idx="1">
+            <a:schemeClr val="accent6"/>
           </a:lnRef>
-          <a:fillRef idx="1">
-            <a:schemeClr val="lt1"/>
+          <a:fillRef idx="2">
+            <a:schemeClr val="accent6"/>
           </a:fillRef>
-          <a:effectRef idx="0">
-            <a:schemeClr val="dk1"/>
+          <a:effectRef idx="1">
+            <a:schemeClr val="accent6"/>
           </a:effectRef>
           <a:fontRef idx="minor">
             <a:schemeClr val="dk1"/>
@@ -6441,6 +6996,13 @@
             <a:r>
               <a:rPr lang="en-US" dirty="0" smtClean="0"/>
               <a:t>Acceleration</a:t>
+            </a:r>
+          </a:p>
+          <a:p>
+            <a:pPr algn="ctr"/>
+            <a:r>
+              <a:rPr lang="en-US" dirty="0" smtClean="0"/>
+              <a:t>Set point</a:t>
             </a:r>
             <a:endParaRPr lang="en-US" dirty="0"/>
           </a:p>
@@ -6462,14 +7024,14 @@
           </a:prstGeom>
         </p:spPr>
         <p:style>
-          <a:lnRef idx="2">
-            <a:schemeClr val="dk1"/>
+          <a:lnRef idx="1">
+            <a:schemeClr val="accent6"/>
           </a:lnRef>
-          <a:fillRef idx="1">
-            <a:schemeClr val="lt1"/>
+          <a:fillRef idx="2">
+            <a:schemeClr val="accent6"/>
           </a:fillRef>
-          <a:effectRef idx="0">
-            <a:schemeClr val="dk1"/>
+          <a:effectRef idx="1">
+            <a:schemeClr val="accent6"/>
           </a:effectRef>
           <a:fontRef idx="minor">
             <a:schemeClr val="dk1"/>
@@ -6483,6 +7045,13 @@
             <a:r>
               <a:rPr lang="en-US" dirty="0" smtClean="0"/>
               <a:t>Velocity</a:t>
+            </a:r>
+          </a:p>
+          <a:p>
+            <a:pPr algn="ctr"/>
+            <a:r>
+              <a:rPr lang="en-US" dirty="0" smtClean="0"/>
+              <a:t>Set point</a:t>
             </a:r>
             <a:endParaRPr lang="en-US" dirty="0"/>
           </a:p>
@@ -6604,7 +7173,7 @@
         </p:nvSpPr>
         <p:spPr>
           <a:xfrm>
-            <a:off x="1465560" y="3366345"/>
+            <a:off x="778119" y="3366348"/>
             <a:ext cx="1383955" cy="757881"/>
           </a:xfrm>
           <a:prstGeom prst="rect">
@@ -6613,13 +7182,13 @@
         </p:spPr>
         <p:style>
           <a:lnRef idx="1">
-            <a:schemeClr val="accent2"/>
+            <a:schemeClr val="accent4"/>
           </a:lnRef>
           <a:fillRef idx="2">
-            <a:schemeClr val="accent2"/>
+            <a:schemeClr val="accent4"/>
           </a:fillRef>
           <a:effectRef idx="1">
-            <a:schemeClr val="accent2"/>
+            <a:schemeClr val="accent4"/>
           </a:effectRef>
           <a:fontRef idx="minor">
             <a:schemeClr val="dk1"/>
@@ -6654,14 +7223,14 @@
           </a:prstGeom>
         </p:spPr>
         <p:style>
-          <a:lnRef idx="2">
-            <a:schemeClr val="dk1"/>
+          <a:lnRef idx="1">
+            <a:schemeClr val="accent4"/>
           </a:lnRef>
-          <a:fillRef idx="1">
-            <a:schemeClr val="lt1"/>
+          <a:fillRef idx="2">
+            <a:schemeClr val="accent4"/>
           </a:fillRef>
-          <a:effectRef idx="0">
-            <a:schemeClr val="dk1"/>
+          <a:effectRef idx="1">
+            <a:schemeClr val="accent4"/>
           </a:effectRef>
           <a:fontRef idx="minor">
             <a:schemeClr val="dk1"/>
@@ -6821,14 +7390,14 @@
           </a:prstGeom>
         </p:spPr>
         <p:style>
-          <a:lnRef idx="2">
-            <a:schemeClr val="dk1"/>
+          <a:lnRef idx="1">
+            <a:schemeClr val="accent6"/>
           </a:lnRef>
-          <a:fillRef idx="1">
-            <a:schemeClr val="lt1"/>
+          <a:fillRef idx="2">
+            <a:schemeClr val="accent6"/>
           </a:fillRef>
-          <a:effectRef idx="0">
-            <a:schemeClr val="dk1"/>
+          <a:effectRef idx="1">
+            <a:schemeClr val="accent6"/>
           </a:effectRef>
           <a:fontRef idx="minor">
             <a:schemeClr val="dk1"/>
@@ -6842,6 +7411,13 @@
             <a:r>
               <a:rPr lang="en-US" dirty="0" smtClean="0"/>
               <a:t>Altitude</a:t>
+            </a:r>
+          </a:p>
+          <a:p>
+            <a:pPr algn="ctr"/>
+            <a:r>
+              <a:rPr lang="en-US" dirty="0" smtClean="0"/>
+              <a:t>Set point</a:t>
             </a:r>
             <a:endParaRPr lang="en-US" dirty="0"/>
           </a:p>
@@ -6883,6 +7459,504 @@
           </a:fontRef>
         </p:style>
       </p:cxnSp>
+      <p:sp>
+        <p:nvSpPr>
+          <p:cNvPr id="26" name="Rectangle 25"/>
+          <p:cNvSpPr/>
+          <p:nvPr/>
+        </p:nvSpPr>
+        <p:spPr>
+          <a:xfrm>
+            <a:off x="2340669" y="3366345"/>
+            <a:ext cx="1383955" cy="757881"/>
+          </a:xfrm>
+          <a:prstGeom prst="rect">
+            <a:avLst/>
+          </a:prstGeom>
+        </p:spPr>
+        <p:style>
+          <a:lnRef idx="1">
+            <a:schemeClr val="accent6"/>
+          </a:lnRef>
+          <a:fillRef idx="2">
+            <a:schemeClr val="accent6"/>
+          </a:fillRef>
+          <a:effectRef idx="1">
+            <a:schemeClr val="accent6"/>
+          </a:effectRef>
+          <a:fontRef idx="minor">
+            <a:schemeClr val="dk1"/>
+          </a:fontRef>
+        </p:style>
+        <p:txBody>
+          <a:bodyPr rtlCol="0" anchor="ctr"/>
+          <a:lstStyle/>
+          <a:p>
+            <a:pPr algn="ctr"/>
+            <a:r>
+              <a:rPr lang="en-US" dirty="0" smtClean="0"/>
+              <a:t>Actuator Allocator</a:t>
+            </a:r>
+            <a:endParaRPr lang="en-US" dirty="0"/>
+          </a:p>
+        </p:txBody>
+      </p:sp>
+      <p:sp>
+        <p:nvSpPr>
+          <p:cNvPr id="27" name="Rectangle 26"/>
+          <p:cNvSpPr/>
+          <p:nvPr/>
+        </p:nvSpPr>
+        <p:spPr>
+          <a:xfrm>
+            <a:off x="3913605" y="3366346"/>
+            <a:ext cx="1383955" cy="757881"/>
+          </a:xfrm>
+          <a:prstGeom prst="rect">
+            <a:avLst/>
+          </a:prstGeom>
+        </p:spPr>
+        <p:style>
+          <a:lnRef idx="1">
+            <a:schemeClr val="accent6"/>
+          </a:lnRef>
+          <a:fillRef idx="2">
+            <a:schemeClr val="accent6"/>
+          </a:fillRef>
+          <a:effectRef idx="1">
+            <a:schemeClr val="accent6"/>
+          </a:effectRef>
+          <a:fontRef idx="minor">
+            <a:schemeClr val="dk1"/>
+          </a:fontRef>
+        </p:style>
+        <p:txBody>
+          <a:bodyPr rtlCol="0" anchor="ctr"/>
+          <a:lstStyle/>
+          <a:p>
+            <a:pPr algn="ctr"/>
+            <a:r>
+              <a:rPr lang="en-US" dirty="0" smtClean="0"/>
+              <a:t>Attitude Controller</a:t>
+            </a:r>
+            <a:endParaRPr lang="en-US" dirty="0"/>
+          </a:p>
+        </p:txBody>
+      </p:sp>
+      <p:sp>
+        <p:nvSpPr>
+          <p:cNvPr id="31" name="Rectangle 30"/>
+          <p:cNvSpPr/>
+          <p:nvPr/>
+        </p:nvSpPr>
+        <p:spPr>
+          <a:xfrm>
+            <a:off x="5481348" y="3366346"/>
+            <a:ext cx="1383955" cy="757881"/>
+          </a:xfrm>
+          <a:prstGeom prst="rect">
+            <a:avLst/>
+          </a:prstGeom>
+        </p:spPr>
+        <p:style>
+          <a:lnRef idx="1">
+            <a:schemeClr val="accent6"/>
+          </a:lnRef>
+          <a:fillRef idx="2">
+            <a:schemeClr val="accent6"/>
+          </a:fillRef>
+          <a:effectRef idx="1">
+            <a:schemeClr val="accent6"/>
+          </a:effectRef>
+          <a:fontRef idx="minor">
+            <a:schemeClr val="dk1"/>
+          </a:fontRef>
+        </p:style>
+        <p:txBody>
+          <a:bodyPr rtlCol="0" anchor="ctr"/>
+          <a:lstStyle/>
+          <a:p>
+            <a:pPr algn="ctr"/>
+            <a:r>
+              <a:rPr lang="en-US" dirty="0" smtClean="0"/>
+              <a:t>Position Controller</a:t>
+            </a:r>
+            <a:endParaRPr lang="en-US" dirty="0"/>
+          </a:p>
+        </p:txBody>
+      </p:sp>
+      <p:cxnSp>
+        <p:nvCxnSpPr>
+          <p:cNvPr id="11" name="Elbow Connector 10"/>
+          <p:cNvCxnSpPr>
+            <a:stCxn id="15" idx="1"/>
+            <a:endCxn id="31" idx="3"/>
+          </p:cNvCxnSpPr>
+          <p:nvPr/>
+        </p:nvCxnSpPr>
+        <p:spPr>
+          <a:xfrm rot="10800000" flipV="1">
+            <a:off x="6865303" y="2631119"/>
+            <a:ext cx="400474" cy="1114167"/>
+          </a:xfrm>
+          <a:prstGeom prst="bentConnector3">
+            <a:avLst/>
+          </a:prstGeom>
+          <a:ln>
+            <a:tailEnd type="triangle"/>
+          </a:ln>
+        </p:spPr>
+        <p:style>
+          <a:lnRef idx="1">
+            <a:schemeClr val="dk1"/>
+          </a:lnRef>
+          <a:fillRef idx="0">
+            <a:schemeClr val="dk1"/>
+          </a:fillRef>
+          <a:effectRef idx="0">
+            <a:schemeClr val="dk1"/>
+          </a:effectRef>
+          <a:fontRef idx="minor">
+            <a:schemeClr val="tx1"/>
+          </a:fontRef>
+        </p:style>
+      </p:cxnSp>
+      <p:cxnSp>
+        <p:nvCxnSpPr>
+          <p:cNvPr id="19" name="Elbow Connector 18"/>
+          <p:cNvCxnSpPr>
+            <a:stCxn id="14" idx="1"/>
+            <a:endCxn id="31" idx="3"/>
+          </p:cNvCxnSpPr>
+          <p:nvPr/>
+        </p:nvCxnSpPr>
+        <p:spPr>
+          <a:xfrm rot="10800000">
+            <a:off x="6865303" y="3745288"/>
+            <a:ext cx="400474" cy="1114167"/>
+          </a:xfrm>
+          <a:prstGeom prst="bentConnector3">
+            <a:avLst/>
+          </a:prstGeom>
+          <a:ln>
+            <a:tailEnd type="triangle"/>
+          </a:ln>
+        </p:spPr>
+        <p:style>
+          <a:lnRef idx="1">
+            <a:schemeClr val="dk1"/>
+          </a:lnRef>
+          <a:fillRef idx="0">
+            <a:schemeClr val="dk1"/>
+          </a:fillRef>
+          <a:effectRef idx="0">
+            <a:schemeClr val="dk1"/>
+          </a:effectRef>
+          <a:fontRef idx="minor">
+            <a:schemeClr val="tx1"/>
+          </a:fontRef>
+        </p:style>
+      </p:cxnSp>
+      <p:cxnSp>
+        <p:nvCxnSpPr>
+          <p:cNvPr id="23" name="Elbow Connector 22"/>
+          <p:cNvCxnSpPr>
+            <a:stCxn id="30" idx="1"/>
+            <a:endCxn id="31" idx="3"/>
+          </p:cNvCxnSpPr>
+          <p:nvPr/>
+        </p:nvCxnSpPr>
+        <p:spPr>
+          <a:xfrm rot="10800000">
+            <a:off x="6865303" y="3745287"/>
+            <a:ext cx="400472" cy="2247374"/>
+          </a:xfrm>
+          <a:prstGeom prst="bentConnector3">
+            <a:avLst/>
+          </a:prstGeom>
+          <a:ln>
+            <a:tailEnd type="triangle"/>
+          </a:ln>
+        </p:spPr>
+        <p:style>
+          <a:lnRef idx="1">
+            <a:schemeClr val="dk1"/>
+          </a:lnRef>
+          <a:fillRef idx="0">
+            <a:schemeClr val="dk1"/>
+          </a:fillRef>
+          <a:effectRef idx="0">
+            <a:schemeClr val="dk1"/>
+          </a:effectRef>
+          <a:fontRef idx="minor">
+            <a:schemeClr val="tx1"/>
+          </a:fontRef>
+        </p:style>
+      </p:cxnSp>
+      <p:cxnSp>
+        <p:nvCxnSpPr>
+          <p:cNvPr id="34" name="Straight Arrow Connector 33"/>
+          <p:cNvCxnSpPr>
+            <a:stCxn id="16" idx="1"/>
+            <a:endCxn id="31" idx="3"/>
+          </p:cNvCxnSpPr>
+          <p:nvPr/>
+        </p:nvCxnSpPr>
+        <p:spPr>
+          <a:xfrm flipH="1">
+            <a:off x="6865303" y="3745287"/>
+            <a:ext cx="400475" cy="0"/>
+          </a:xfrm>
+          <a:prstGeom prst="straightConnector1">
+            <a:avLst/>
+          </a:prstGeom>
+          <a:ln>
+            <a:tailEnd type="triangle"/>
+          </a:ln>
+        </p:spPr>
+        <p:style>
+          <a:lnRef idx="1">
+            <a:schemeClr val="dk1"/>
+          </a:lnRef>
+          <a:fillRef idx="0">
+            <a:schemeClr val="dk1"/>
+          </a:fillRef>
+          <a:effectRef idx="0">
+            <a:schemeClr val="dk1"/>
+          </a:effectRef>
+          <a:fontRef idx="minor">
+            <a:schemeClr val="tx1"/>
+          </a:fontRef>
+        </p:style>
+      </p:cxnSp>
+      <p:cxnSp>
+        <p:nvCxnSpPr>
+          <p:cNvPr id="36" name="Straight Arrow Connector 35"/>
+          <p:cNvCxnSpPr>
+            <a:stCxn id="31" idx="1"/>
+            <a:endCxn id="27" idx="3"/>
+          </p:cNvCxnSpPr>
+          <p:nvPr/>
+        </p:nvCxnSpPr>
+        <p:spPr>
+          <a:xfrm flipH="1">
+            <a:off x="5297560" y="3745287"/>
+            <a:ext cx="183788" cy="0"/>
+          </a:xfrm>
+          <a:prstGeom prst="straightConnector1">
+            <a:avLst/>
+          </a:prstGeom>
+          <a:ln>
+            <a:tailEnd type="triangle"/>
+          </a:ln>
+        </p:spPr>
+        <p:style>
+          <a:lnRef idx="1">
+            <a:schemeClr val="dk1"/>
+          </a:lnRef>
+          <a:fillRef idx="0">
+            <a:schemeClr val="dk1"/>
+          </a:fillRef>
+          <a:effectRef idx="0">
+            <a:schemeClr val="dk1"/>
+          </a:effectRef>
+          <a:fontRef idx="minor">
+            <a:schemeClr val="tx1"/>
+          </a:fontRef>
+        </p:style>
+      </p:cxnSp>
+      <p:cxnSp>
+        <p:nvCxnSpPr>
+          <p:cNvPr id="37" name="Straight Arrow Connector 36"/>
+          <p:cNvCxnSpPr/>
+          <p:nvPr/>
+        </p:nvCxnSpPr>
+        <p:spPr>
+          <a:xfrm flipH="1">
+            <a:off x="3724624" y="3732823"/>
+            <a:ext cx="183788" cy="0"/>
+          </a:xfrm>
+          <a:prstGeom prst="straightConnector1">
+            <a:avLst/>
+          </a:prstGeom>
+          <a:ln>
+            <a:tailEnd type="triangle"/>
+          </a:ln>
+        </p:spPr>
+        <p:style>
+          <a:lnRef idx="1">
+            <a:schemeClr val="dk1"/>
+          </a:lnRef>
+          <a:fillRef idx="0">
+            <a:schemeClr val="dk1"/>
+          </a:fillRef>
+          <a:effectRef idx="0">
+            <a:schemeClr val="dk1"/>
+          </a:effectRef>
+          <a:fontRef idx="minor">
+            <a:schemeClr val="tx1"/>
+          </a:fontRef>
+        </p:style>
+      </p:cxnSp>
+      <p:cxnSp>
+        <p:nvCxnSpPr>
+          <p:cNvPr id="38" name="Straight Arrow Connector 37"/>
+          <p:cNvCxnSpPr/>
+          <p:nvPr/>
+        </p:nvCxnSpPr>
+        <p:spPr>
+          <a:xfrm flipH="1">
+            <a:off x="2156881" y="3767658"/>
+            <a:ext cx="183788" cy="0"/>
+          </a:xfrm>
+          <a:prstGeom prst="straightConnector1">
+            <a:avLst/>
+          </a:prstGeom>
+          <a:ln>
+            <a:tailEnd type="triangle"/>
+          </a:ln>
+        </p:spPr>
+        <p:style>
+          <a:lnRef idx="1">
+            <a:schemeClr val="dk1"/>
+          </a:lnRef>
+          <a:fillRef idx="0">
+            <a:schemeClr val="dk1"/>
+          </a:fillRef>
+          <a:effectRef idx="0">
+            <a:schemeClr val="dk1"/>
+          </a:effectRef>
+          <a:fontRef idx="minor">
+            <a:schemeClr val="tx1"/>
+          </a:fontRef>
+        </p:style>
+      </p:cxnSp>
+      <p:sp>
+        <p:nvSpPr>
+          <p:cNvPr id="39" name="Rectangle 38"/>
+          <p:cNvSpPr/>
+          <p:nvPr/>
+        </p:nvSpPr>
+        <p:spPr>
+          <a:xfrm>
+            <a:off x="2156881" y="4859455"/>
+            <a:ext cx="3259873" cy="276191"/>
+          </a:xfrm>
+          <a:prstGeom prst="rect">
+            <a:avLst/>
+          </a:prstGeom>
+        </p:spPr>
+        <p:style>
+          <a:lnRef idx="1">
+            <a:schemeClr val="accent1"/>
+          </a:lnRef>
+          <a:fillRef idx="2">
+            <a:schemeClr val="accent1"/>
+          </a:fillRef>
+          <a:effectRef idx="1">
+            <a:schemeClr val="accent1"/>
+          </a:effectRef>
+          <a:fontRef idx="minor">
+            <a:schemeClr val="dk1"/>
+          </a:fontRef>
+        </p:style>
+        <p:txBody>
+          <a:bodyPr rtlCol="0" anchor="ctr"/>
+          <a:lstStyle/>
+          <a:p>
+            <a:pPr algn="ctr"/>
+            <a:r>
+              <a:rPr lang="en-US" dirty="0" smtClean="0"/>
+              <a:t>Custom</a:t>
+            </a:r>
+            <a:endParaRPr lang="en-US" dirty="0"/>
+          </a:p>
+        </p:txBody>
+      </p:sp>
+      <p:sp>
+        <p:nvSpPr>
+          <p:cNvPr id="40" name="Rectangle 39"/>
+          <p:cNvSpPr/>
+          <p:nvPr/>
+        </p:nvSpPr>
+        <p:spPr>
+          <a:xfrm>
+            <a:off x="2156880" y="5224187"/>
+            <a:ext cx="3259874" cy="279186"/>
+          </a:xfrm>
+          <a:prstGeom prst="rect">
+            <a:avLst/>
+          </a:prstGeom>
+        </p:spPr>
+        <p:style>
+          <a:lnRef idx="1">
+            <a:schemeClr val="accent4"/>
+          </a:lnRef>
+          <a:fillRef idx="2">
+            <a:schemeClr val="accent4"/>
+          </a:fillRef>
+          <a:effectRef idx="1">
+            <a:schemeClr val="accent4"/>
+          </a:effectRef>
+          <a:fontRef idx="minor">
+            <a:schemeClr val="dk1"/>
+          </a:fontRef>
+        </p:style>
+        <p:txBody>
+          <a:bodyPr rtlCol="0" anchor="ctr"/>
+          <a:lstStyle/>
+          <a:p>
+            <a:pPr algn="ctr"/>
+            <a:r>
+              <a:rPr lang="en-US" dirty="0" smtClean="0"/>
+              <a:t>Hardware</a:t>
+            </a:r>
+            <a:endParaRPr lang="en-US" dirty="0"/>
+          </a:p>
+        </p:txBody>
+      </p:sp>
+      <p:sp>
+        <p:nvSpPr>
+          <p:cNvPr id="41" name="Rectangle 40"/>
+          <p:cNvSpPr/>
+          <p:nvPr/>
+        </p:nvSpPr>
+        <p:spPr>
+          <a:xfrm>
+            <a:off x="2156880" y="5612977"/>
+            <a:ext cx="3259874" cy="279186"/>
+          </a:xfrm>
+          <a:prstGeom prst="rect">
+            <a:avLst/>
+          </a:prstGeom>
+        </p:spPr>
+        <p:style>
+          <a:lnRef idx="1">
+            <a:schemeClr val="accent6"/>
+          </a:lnRef>
+          <a:fillRef idx="2">
+            <a:schemeClr val="accent6"/>
+          </a:fillRef>
+          <a:effectRef idx="1">
+            <a:schemeClr val="accent6"/>
+          </a:effectRef>
+          <a:fontRef idx="minor">
+            <a:schemeClr val="dk1"/>
+          </a:fontRef>
+        </p:style>
+        <p:txBody>
+          <a:bodyPr rtlCol="0" anchor="ctr"/>
+          <a:lstStyle/>
+          <a:p>
+            <a:pPr algn="ctr"/>
+            <a:r>
+              <a:rPr lang="en-US" dirty="0" smtClean="0"/>
+              <a:t>Preexisting</a:t>
+            </a:r>
+            <a:endParaRPr lang="en-US" dirty="0"/>
+          </a:p>
+        </p:txBody>
+      </p:sp>
     </p:spTree>
     <p:extLst>
       <p:ext uri="{BB962C8B-B14F-4D97-AF65-F5344CB8AC3E}">
